--- a/PWA-COM_v1.1.pptx
+++ b/PWA-COM_v1.1.pptx
@@ -121,6 +121,11 @@
       </a:defRPr>
     </a:lvl9pPr>
   </p:defaultTextStyle>
+  <p:extLst>
+    <p:ext uri="{EFAFB233-063F-42B5-8137-9DF3F51BA10A}">
+      <p15:sldGuideLst xmlns:p15="http://schemas.microsoft.com/office/powerpoint/2012/main"/>
+    </p:ext>
+  </p:extLst>
 </p:presentation>
 </file>
 
@@ -3399,7 +3404,7 @@
           <a:p>
             <a:fld id="{8DBF2EEE-2DB4-46E1-88C6-F83DBC7D8760}" type="datetimeFigureOut">
               <a:rPr lang="fr-FR" smtClean="0"/>
-              <a:t>17/05/2020</a:t>
+              <a:t>18/05/2020</a:t>
             </a:fld>
             <a:endParaRPr lang="fr-FR"/>
           </a:p>
@@ -3710,6 +3715,90 @@
           <a:bodyPr/>
           <a:lstStyle/>
           <a:p>
+            <a:endParaRPr lang="fr-FR" dirty="0"/>
+          </a:p>
+        </p:txBody>
+      </p:sp>
+      <p:sp>
+        <p:nvSpPr>
+          <p:cNvPr id="4" name="Espace réservé du numéro de diapositive 3"/>
+          <p:cNvSpPr>
+            <a:spLocks noGrp="1"/>
+          </p:cNvSpPr>
+          <p:nvPr>
+            <p:ph type="sldNum" sz="quarter" idx="5"/>
+          </p:nvPr>
+        </p:nvSpPr>
+        <p:spPr/>
+        <p:txBody>
+          <a:bodyPr/>
+          <a:lstStyle/>
+          <a:p>
+            <a:fld id="{AA103507-B205-4309-9332-F7C002F0E11F}" type="slidenum">
+              <a:rPr lang="fr-FR" smtClean="0"/>
+              <a:t>7</a:t>
+            </a:fld>
+            <a:endParaRPr lang="fr-FR"/>
+          </a:p>
+        </p:txBody>
+      </p:sp>
+    </p:spTree>
+    <p:extLst>
+      <p:ext uri="{BB962C8B-B14F-4D97-AF65-F5344CB8AC3E}">
+        <p14:creationId xmlns:p14="http://schemas.microsoft.com/office/powerpoint/2010/main" val="579252050"/>
+      </p:ext>
+    </p:extLst>
+  </p:cSld>
+  <p:clrMapOvr>
+    <a:masterClrMapping/>
+  </p:clrMapOvr>
+</p:notes>
+</file>
+
+<file path=ppt/notesSlides/notesSlide2.xml><?xml version="1.0" encoding="utf-8"?>
+<p:notes xmlns:a="http://schemas.openxmlformats.org/drawingml/2006/main" xmlns:r="http://schemas.openxmlformats.org/officeDocument/2006/relationships" xmlns:p="http://schemas.openxmlformats.org/presentationml/2006/main">
+  <p:cSld>
+    <p:spTree>
+      <p:nvGrpSpPr>
+        <p:cNvPr id="1" name=""/>
+        <p:cNvGrpSpPr/>
+        <p:nvPr/>
+      </p:nvGrpSpPr>
+      <p:grpSpPr>
+        <a:xfrm>
+          <a:off x="0" y="0"/>
+          <a:ext cx="0" cy="0"/>
+          <a:chOff x="0" y="0"/>
+          <a:chExt cx="0" cy="0"/>
+        </a:xfrm>
+      </p:grpSpPr>
+      <p:sp>
+        <p:nvSpPr>
+          <p:cNvPr id="2" name="Espace réservé de l'image des diapositives 1"/>
+          <p:cNvSpPr>
+            <a:spLocks noGrp="1" noRot="1" noChangeAspect="1"/>
+          </p:cNvSpPr>
+          <p:nvPr>
+            <p:ph type="sldImg"/>
+          </p:nvPr>
+        </p:nvSpPr>
+        <p:spPr/>
+      </p:sp>
+      <p:sp>
+        <p:nvSpPr>
+          <p:cNvPr id="3" name="Espace réservé des notes 2"/>
+          <p:cNvSpPr>
+            <a:spLocks noGrp="1"/>
+          </p:cNvSpPr>
+          <p:nvPr>
+            <p:ph type="body" idx="1"/>
+          </p:nvPr>
+        </p:nvSpPr>
+        <p:spPr/>
+        <p:txBody>
+          <a:bodyPr/>
+          <a:lstStyle/>
+          <a:p>
             <a:pPr marL="0" marR="0" lvl="0" indent="0" algn="l" defTabSz="914400" rtl="0" eaLnBrk="1" fontAlgn="auto" latinLnBrk="0" hangingPunct="1">
               <a:lnSpc>
                 <a:spcPct val="100000"/>
@@ -4058,7 +4147,7 @@
             <a:fld id="{08B9EBBA-996F-894A-B54A-D6246ED52CEA}" type="datetimeFigureOut">
               <a:rPr lang="en-US" dirty="0"/>
               <a:pPr/>
-              <a:t>5/17/2020</a:t>
+              <a:t>5/18/2020</a:t>
             </a:fld>
             <a:endParaRPr lang="en-US" dirty="0"/>
           </a:p>
@@ -4373,7 +4462,7 @@
             <a:fld id="{18C79C5D-2A6F-F04D-97DA-BEF2467B64E4}" type="datetimeFigureOut">
               <a:rPr lang="en-US" dirty="0"/>
               <a:pPr/>
-              <a:t>5/17/2020</a:t>
+              <a:t>5/18/2020</a:t>
             </a:fld>
             <a:endParaRPr lang="en-US" dirty="0"/>
           </a:p>
@@ -4858,7 +4947,7 @@
             <a:fld id="{8DFA1846-DA80-1C48-A609-854EA85C59AD}" type="datetimeFigureOut">
               <a:rPr lang="en-US" dirty="0"/>
               <a:pPr/>
-              <a:t>5/17/2020</a:t>
+              <a:t>5/18/2020</a:t>
             </a:fld>
             <a:endParaRPr lang="en-US" dirty="0"/>
           </a:p>
@@ -5224,7 +5313,7 @@
             <a:fld id="{FBF54567-0DE4-3F47-BF90-CB84690072F9}" type="datetimeFigureOut">
               <a:rPr lang="en-US" dirty="0"/>
               <a:pPr/>
-              <a:t>5/17/2020</a:t>
+              <a:t>5/18/2020</a:t>
             </a:fld>
             <a:endParaRPr lang="en-US" dirty="0"/>
           </a:p>
@@ -5494,7 +5583,7 @@
             <a:fld id="{C6C52C72-DE31-F449-A4ED-4C594FD91407}" type="datetimeFigureOut">
               <a:rPr lang="en-US" dirty="0"/>
               <a:pPr/>
-              <a:t>5/17/2020</a:t>
+              <a:t>5/18/2020</a:t>
             </a:fld>
             <a:endParaRPr lang="en-US" dirty="0"/>
           </a:p>
@@ -5776,7 +5865,7 @@
             <a:fld id="{ED62726E-379B-B349-9EED-81ED093FA806}" type="datetimeFigureOut">
               <a:rPr lang="en-US" dirty="0"/>
               <a:pPr/>
-              <a:t>5/17/2020</a:t>
+              <a:t>5/18/2020</a:t>
             </a:fld>
             <a:endParaRPr lang="en-US" dirty="0"/>
           </a:p>
@@ -6056,7 +6145,7 @@
             <a:fld id="{9B3A1323-8D79-1946-B0D7-40001CF92E9D}" type="datetimeFigureOut">
               <a:rPr lang="en-US" dirty="0"/>
               <a:pPr/>
-              <a:t>5/17/2020</a:t>
+              <a:t>5/18/2020</a:t>
             </a:fld>
             <a:endParaRPr lang="en-US" dirty="0"/>
           </a:p>
@@ -6396,7 +6485,7 @@
             <a:fld id="{8DFA1846-DA80-1C48-A609-854EA85C59AD}" type="datetimeFigureOut">
               <a:rPr lang="en-US" dirty="0"/>
               <a:pPr/>
-              <a:t>5/17/2020</a:t>
+              <a:t>5/18/2020</a:t>
             </a:fld>
             <a:endParaRPr lang="en-US" dirty="0"/>
           </a:p>
@@ -6732,7 +6821,7 @@
             <a:fld id="{57302355-E14B-8545-A8F8-0FE83CC9D524}" type="datetimeFigureOut">
               <a:rPr lang="en-US" dirty="0"/>
               <a:pPr/>
-              <a:t>5/17/2020</a:t>
+              <a:t>5/18/2020</a:t>
             </a:fld>
             <a:endParaRPr lang="en-US" dirty="0"/>
           </a:p>
@@ -7206,7 +7295,7 @@
             <a:fld id="{02640F58-564D-2B4F-AE67-E407BA4FCF45}" type="datetimeFigureOut">
               <a:rPr lang="en-US" dirty="0"/>
               <a:pPr/>
-              <a:t>5/17/2020</a:t>
+              <a:t>5/18/2020</a:t>
             </a:fld>
             <a:endParaRPr lang="en-US" dirty="0"/>
           </a:p>
@@ -7424,7 +7513,7 @@
             <a:fld id="{F13A34C8-038E-2045-AF43-DF7DBB8E0E9E}" type="datetimeFigureOut">
               <a:rPr lang="en-US" dirty="0"/>
               <a:pPr/>
-              <a:t>5/17/2020</a:t>
+              <a:t>5/18/2020</a:t>
             </a:fld>
             <a:endParaRPr lang="en-US" dirty="0"/>
           </a:p>
@@ -7516,7 +7605,7 @@
             <a:fld id="{8818C68F-D26B-8F47-958C-23B49CF8A634}" type="datetimeFigureOut">
               <a:rPr lang="en-US" dirty="0"/>
               <a:pPr/>
-              <a:t>5/17/2020</a:t>
+              <a:t>5/18/2020</a:t>
             </a:fld>
             <a:endParaRPr lang="en-US" dirty="0"/>
           </a:p>
@@ -7980,7 +8069,7 @@
             <a:fld id="{D0DF5E60-9974-AC48-9591-99C2BB44B7CF}" type="datetimeFigureOut">
               <a:rPr lang="en-US" dirty="0"/>
               <a:pPr/>
-              <a:t>5/17/2020</a:t>
+              <a:t>5/18/2020</a:t>
             </a:fld>
             <a:endParaRPr lang="en-US" dirty="0"/>
           </a:p>
@@ -8290,7 +8379,7 @@
             <a:fld id="{18C79C5D-2A6F-F04D-97DA-BEF2467B64E4}" type="datetimeFigureOut">
               <a:rPr lang="en-US" dirty="0"/>
               <a:pPr/>
-              <a:t>5/17/2020</a:t>
+              <a:t>5/18/2020</a:t>
             </a:fld>
             <a:endParaRPr lang="en-US" dirty="0"/>
           </a:p>
@@ -8557,7 +8646,7 @@
             <a:fld id="{09B482E8-6E0E-1B4F-B1FD-C69DB9E858D9}" type="datetimeFigureOut">
               <a:rPr lang="en-US" dirty="0"/>
               <a:pPr/>
-              <a:t>5/17/2020</a:t>
+              <a:t>5/18/2020</a:t>
             </a:fld>
             <a:endParaRPr lang="en-US" dirty="0"/>
           </a:p>
@@ -9152,6 +9241,53 @@
           </a:p>
         </p:txBody>
       </p:sp>
+      <p:pic>
+        <p:nvPicPr>
+          <p:cNvPr id="1026" name="Picture 2">
+            <a:extLst>
+              <a:ext uri="{FF2B5EF4-FFF2-40B4-BE49-F238E27FC236}">
+                <a16:creationId xmlns:a16="http://schemas.microsoft.com/office/drawing/2014/main" id="{34F2F82D-A9D0-43C9-9362-7E15F26C8F02}"/>
+              </a:ext>
+            </a:extLst>
+          </p:cNvPr>
+          <p:cNvPicPr>
+            <a:picLocks noChangeAspect="1" noChangeArrowheads="1"/>
+          </p:cNvPicPr>
+          <p:nvPr/>
+        </p:nvPicPr>
+        <p:blipFill>
+          <a:blip r:embed="rId3">
+            <a:extLst>
+              <a:ext uri="{28A0092B-C50C-407E-A947-70E740481C1C}">
+                <a14:useLocalDpi xmlns:a14="http://schemas.microsoft.com/office/drawing/2010/main" val="0"/>
+              </a:ext>
+            </a:extLst>
+          </a:blip>
+          <a:srcRect/>
+          <a:stretch>
+            <a:fillRect/>
+          </a:stretch>
+        </p:blipFill>
+        <p:spPr bwMode="auto">
+          <a:xfrm>
+            <a:off x="6376988" y="2353162"/>
+            <a:ext cx="4518971" cy="3934261"/>
+          </a:xfrm>
+          <a:prstGeom prst="rect">
+            <a:avLst/>
+          </a:prstGeom>
+          <a:noFill/>
+          <a:extLst>
+            <a:ext uri="{909E8E84-426E-40DD-AFC4-6F175D3DCCD1}">
+              <a14:hiddenFill xmlns:a14="http://schemas.microsoft.com/office/drawing/2010/main">
+                <a:solidFill>
+                  <a:srgbClr val="FFFFFF"/>
+                </a:solidFill>
+              </a14:hiddenFill>
+            </a:ext>
+          </a:extLst>
+        </p:spPr>
+      </p:pic>
     </p:spTree>
     <p:extLst>
       <p:ext uri="{BB962C8B-B14F-4D97-AF65-F5344CB8AC3E}">
@@ -9347,10 +9483,73 @@
           <a:bodyPr/>
           <a:lstStyle/>
           <a:p>
-            <a:endParaRPr lang="fr-FR" dirty="0"/>
-          </a:p>
-        </p:txBody>
-      </p:sp>
+            <a:r>
+              <a:rPr lang="fr-FR" dirty="0"/>
+              <a:t>Bonnes pratiques de l’audit</a:t>
+            </a:r>
+          </a:p>
+          <a:p>
+            <a:r>
+              <a:rPr lang="fr-FR" dirty="0"/>
+              <a:t>Localisation certaines fois inexacte</a:t>
+            </a:r>
+          </a:p>
+          <a:p>
+            <a:r>
+              <a:rPr lang="fr-FR" dirty="0"/>
+              <a:t>Travail à distance compliqué</a:t>
+            </a:r>
+          </a:p>
+          <a:p>
+            <a:r>
+              <a:rPr lang="fr-FR" dirty="0"/>
+              <a:t>Manque d’objectifs concrets</a:t>
+            </a:r>
+          </a:p>
+          <a:p>
+            <a:r>
+              <a:rPr lang="fr-FR" dirty="0"/>
+              <a:t>Diversité des technologies pour la création de PWA</a:t>
+            </a:r>
+          </a:p>
+          <a:p>
+            <a:r>
+              <a:rPr lang="fr-FR" dirty="0"/>
+              <a:t>Pas de framework mature</a:t>
+            </a:r>
+          </a:p>
+        </p:txBody>
+      </p:sp>
+      <p:pic>
+        <p:nvPicPr>
+          <p:cNvPr id="4" name="Image 3">
+            <a:extLst>
+              <a:ext uri="{FF2B5EF4-FFF2-40B4-BE49-F238E27FC236}">
+                <a16:creationId xmlns:a16="http://schemas.microsoft.com/office/drawing/2014/main" id="{F18ACD9C-9676-4BD9-8ECF-99C7EBAAC22F}"/>
+              </a:ext>
+            </a:extLst>
+          </p:cNvPr>
+          <p:cNvPicPr>
+            <a:picLocks noChangeAspect="1"/>
+          </p:cNvPicPr>
+          <p:nvPr/>
+        </p:nvPicPr>
+        <p:blipFill>
+          <a:blip r:embed="rId2"/>
+          <a:stretch>
+            <a:fillRect/>
+          </a:stretch>
+        </p:blipFill>
+        <p:spPr>
+          <a:xfrm>
+            <a:off x="8048624" y="2375995"/>
+            <a:ext cx="3590925" cy="912072"/>
+          </a:xfrm>
+          <a:prstGeom prst="rect">
+            <a:avLst/>
+          </a:prstGeom>
+        </p:spPr>
+      </p:pic>
     </p:spTree>
     <p:extLst>
       <p:ext uri="{BB962C8B-B14F-4D97-AF65-F5344CB8AC3E}">
@@ -9444,7 +9643,15 @@
           <a:p>
             <a:r>
               <a:rPr lang="fr-FR" dirty="0"/>
-              <a:t>Mode de réflexion (PWA, </a:t>
+              <a:t>Mode de réflexion </a:t>
+            </a:r>
+            <a:r>
+              <a:rPr lang="fr-FR"/>
+              <a:t>(utilisation PWA</a:t>
+            </a:r>
+            <a:r>
+              <a:rPr lang="fr-FR" dirty="0"/>
+              <a:t>, </a:t>
             </a:r>
             <a:r>
               <a:rPr lang="fr-FR" dirty="0" err="1"/>
@@ -9453,6 +9660,12 @@
             <a:r>
               <a:rPr lang="fr-FR" dirty="0"/>
               <a:t>, etc.)</a:t>
+            </a:r>
+          </a:p>
+          <a:p>
+            <a:r>
+              <a:rPr lang="fr-FR" dirty="0"/>
+              <a:t>Réflexe de l’audit</a:t>
             </a:r>
           </a:p>
         </p:txBody>
@@ -9536,7 +9749,10 @@
           <a:bodyPr/>
           <a:lstStyle/>
           <a:p>
-            <a:endParaRPr lang="fr-FR" dirty="0"/>
+            <a:r>
+              <a:rPr lang="fr-FR" dirty="0"/>
+              <a:t>Création d’un framework de bout en bout pour les PWA</a:t>
+            </a:r>
           </a:p>
         </p:txBody>
       </p:sp>
@@ -9982,36 +10198,41 @@
           <a:p>
             <a:r>
               <a:rPr lang="fr-FR" dirty="0"/>
-              <a:t>Diagrammes UML</a:t>
-            </a:r>
-          </a:p>
-        </p:txBody>
-      </p:sp>
-      <p:sp>
-        <p:nvSpPr>
-          <p:cNvPr id="3" name="Espace réservé du contenu 2">
+              <a:t>Use Case</a:t>
+            </a:r>
+          </a:p>
+        </p:txBody>
+      </p:sp>
+      <p:pic>
+        <p:nvPicPr>
+          <p:cNvPr id="5" name="Image 4">
             <a:extLst>
               <a:ext uri="{FF2B5EF4-FFF2-40B4-BE49-F238E27FC236}">
-                <a16:creationId xmlns:a16="http://schemas.microsoft.com/office/drawing/2014/main" id="{2AF2BB18-F830-4F72-A0A2-B7BEC5F0239D}"/>
+                <a16:creationId xmlns:a16="http://schemas.microsoft.com/office/drawing/2014/main" id="{6D30A839-5F8B-45DF-A62C-4D8EFFC544F0}"/>
               </a:ext>
             </a:extLst>
           </p:cNvPr>
-          <p:cNvSpPr>
-            <a:spLocks noGrp="1"/>
-          </p:cNvSpPr>
-          <p:nvPr>
-            <p:ph idx="1"/>
-          </p:nvPr>
-        </p:nvSpPr>
-        <p:spPr/>
-        <p:txBody>
-          <a:bodyPr/>
-          <a:lstStyle/>
-          <a:p>
-            <a:endParaRPr lang="fr-FR" dirty="0"/>
-          </a:p>
-        </p:txBody>
-      </p:sp>
+          <p:cNvPicPr>
+            <a:picLocks noChangeAspect="1"/>
+          </p:cNvPicPr>
+          <p:nvPr/>
+        </p:nvPicPr>
+        <p:blipFill>
+          <a:blip r:embed="rId3"/>
+          <a:stretch>
+            <a:fillRect/>
+          </a:stretch>
+        </p:blipFill>
+        <p:spPr>
+          <a:xfrm>
+            <a:off x="1076701" y="2343151"/>
+            <a:ext cx="5676524" cy="4333893"/>
+          </a:xfrm>
+          <a:prstGeom prst="rect">
+            <a:avLst/>
+          </a:prstGeom>
+        </p:spPr>
+      </p:pic>
     </p:spTree>
     <p:extLst>
       <p:ext uri="{BB962C8B-B14F-4D97-AF65-F5344CB8AC3E}">

--- a/PWA-COM_v1.1.pptx
+++ b/PWA-COM_v1.1.pptx
@@ -4144,9 +4144,8 @@
           <a:bodyPr/>
           <a:lstStyle/>
           <a:p>
-            <a:fld id="{08B9EBBA-996F-894A-B54A-D6246ED52CEA}" type="datetimeFigureOut">
-              <a:rPr lang="en-US" dirty="0"/>
-              <a:pPr/>
+            <a:fld id="{81AFCEFD-E44E-4793-9199-E847499D6E40}" type="datetime1">
+              <a:rPr lang="en-US" smtClean="0"/>
               <a:t>5/18/2020</a:t>
             </a:fld>
             <a:endParaRPr lang="en-US" dirty="0"/>
@@ -4459,9 +4458,8 @@
           <a:bodyPr/>
           <a:lstStyle/>
           <a:p>
-            <a:fld id="{18C79C5D-2A6F-F04D-97DA-BEF2467B64E4}" type="datetimeFigureOut">
-              <a:rPr lang="en-US" dirty="0"/>
-              <a:pPr/>
+            <a:fld id="{EFC7BD40-EDC8-417C-9081-871F3985786C}" type="datetime1">
+              <a:rPr lang="en-US" smtClean="0"/>
               <a:t>5/18/2020</a:t>
             </a:fld>
             <a:endParaRPr lang="en-US" dirty="0"/>
@@ -4944,9 +4942,8 @@
           <a:bodyPr/>
           <a:lstStyle/>
           <a:p>
-            <a:fld id="{8DFA1846-DA80-1C48-A609-854EA85C59AD}" type="datetimeFigureOut">
-              <a:rPr lang="en-US" dirty="0"/>
-              <a:pPr/>
+            <a:fld id="{B184E224-2F87-4CAB-A5B2-1BD0D5AC0B45}" type="datetime1">
+              <a:rPr lang="en-US" smtClean="0"/>
               <a:t>5/18/2020</a:t>
             </a:fld>
             <a:endParaRPr lang="en-US" dirty="0"/>
@@ -5310,9 +5307,8 @@
           <a:bodyPr/>
           <a:lstStyle/>
           <a:p>
-            <a:fld id="{FBF54567-0DE4-3F47-BF90-CB84690072F9}" type="datetimeFigureOut">
-              <a:rPr lang="en-US" dirty="0"/>
-              <a:pPr/>
+            <a:fld id="{A0F1914C-40BE-4775-9BE1-F0CE2F295139}" type="datetime1">
+              <a:rPr lang="en-US" smtClean="0"/>
               <a:t>5/18/2020</a:t>
             </a:fld>
             <a:endParaRPr lang="en-US" dirty="0"/>
@@ -5580,9 +5576,8 @@
           <a:bodyPr/>
           <a:lstStyle/>
           <a:p>
-            <a:fld id="{C6C52C72-DE31-F449-A4ED-4C594FD91407}" type="datetimeFigureOut">
-              <a:rPr lang="en-US" dirty="0"/>
-              <a:pPr/>
+            <a:fld id="{6D52669A-AD7D-4D79-824C-5D332F37C4A9}" type="datetime1">
+              <a:rPr lang="en-US" smtClean="0"/>
               <a:t>5/18/2020</a:t>
             </a:fld>
             <a:endParaRPr lang="en-US" dirty="0"/>
@@ -5862,9 +5857,8 @@
           <a:bodyPr/>
           <a:lstStyle/>
           <a:p>
-            <a:fld id="{ED62726E-379B-B349-9EED-81ED093FA806}" type="datetimeFigureOut">
-              <a:rPr lang="en-US" dirty="0"/>
-              <a:pPr/>
+            <a:fld id="{27E6DF4D-4F49-4D6E-BAAB-BFBA4A08862D}" type="datetime1">
+              <a:rPr lang="en-US" smtClean="0"/>
               <a:t>5/18/2020</a:t>
             </a:fld>
             <a:endParaRPr lang="en-US" dirty="0"/>
@@ -6142,9 +6136,8 @@
           <a:bodyPr/>
           <a:lstStyle/>
           <a:p>
-            <a:fld id="{9B3A1323-8D79-1946-B0D7-40001CF92E9D}" type="datetimeFigureOut">
-              <a:rPr lang="en-US" dirty="0"/>
-              <a:pPr/>
+            <a:fld id="{35DDDC76-BA40-4D36-8179-396B1FDFF61D}" type="datetime1">
+              <a:rPr lang="en-US" smtClean="0"/>
               <a:t>5/18/2020</a:t>
             </a:fld>
             <a:endParaRPr lang="en-US" dirty="0"/>
@@ -6482,9 +6475,8 @@
           <a:bodyPr/>
           <a:lstStyle/>
           <a:p>
-            <a:fld id="{8DFA1846-DA80-1C48-A609-854EA85C59AD}" type="datetimeFigureOut">
-              <a:rPr lang="en-US" dirty="0"/>
-              <a:pPr/>
+            <a:fld id="{6DA03657-C73C-4545-98B4-9E819F758153}" type="datetime1">
+              <a:rPr lang="en-US" smtClean="0"/>
               <a:t>5/18/2020</a:t>
             </a:fld>
             <a:endParaRPr lang="en-US" dirty="0"/>
@@ -6818,9 +6810,8 @@
           <a:bodyPr/>
           <a:lstStyle/>
           <a:p>
-            <a:fld id="{57302355-E14B-8545-A8F8-0FE83CC9D524}" type="datetimeFigureOut">
-              <a:rPr lang="en-US" dirty="0"/>
-              <a:pPr/>
+            <a:fld id="{1D88113B-F945-4EC4-A6BE-0A514E47AEE4}" type="datetime1">
+              <a:rPr lang="en-US" smtClean="0"/>
               <a:t>5/18/2020</a:t>
             </a:fld>
             <a:endParaRPr lang="en-US" dirty="0"/>
@@ -7292,9 +7283,8 @@
           <a:bodyPr/>
           <a:lstStyle/>
           <a:p>
-            <a:fld id="{02640F58-564D-2B4F-AE67-E407BA4FCF45}" type="datetimeFigureOut">
-              <a:rPr lang="en-US" dirty="0"/>
-              <a:pPr/>
+            <a:fld id="{CE4B9A97-CA29-4724-919C-124662AABDDF}" type="datetime1">
+              <a:rPr lang="en-US" smtClean="0"/>
               <a:t>5/18/2020</a:t>
             </a:fld>
             <a:endParaRPr lang="en-US" dirty="0"/>
@@ -7510,9 +7500,8 @@
           <a:bodyPr/>
           <a:lstStyle/>
           <a:p>
-            <a:fld id="{F13A34C8-038E-2045-AF43-DF7DBB8E0E9E}" type="datetimeFigureOut">
-              <a:rPr lang="en-US" dirty="0"/>
-              <a:pPr/>
+            <a:fld id="{E6B50EAC-C96B-4F6B-8FA0-FE80A6666811}" type="datetime1">
+              <a:rPr lang="en-US" smtClean="0"/>
               <a:t>5/18/2020</a:t>
             </a:fld>
             <a:endParaRPr lang="en-US" dirty="0"/>
@@ -7602,9 +7591,8 @@
           <a:bodyPr/>
           <a:lstStyle/>
           <a:p>
-            <a:fld id="{8818C68F-D26B-8F47-958C-23B49CF8A634}" type="datetimeFigureOut">
-              <a:rPr lang="en-US" dirty="0"/>
-              <a:pPr/>
+            <a:fld id="{89240592-83E2-4180-9864-286ADFE4CC26}" type="datetime1">
+              <a:rPr lang="en-US" smtClean="0"/>
               <a:t>5/18/2020</a:t>
             </a:fld>
             <a:endParaRPr lang="en-US" dirty="0"/>
@@ -8066,9 +8054,8 @@
           <a:bodyPr/>
           <a:lstStyle/>
           <a:p>
-            <a:fld id="{D0DF5E60-9974-AC48-9591-99C2BB44B7CF}" type="datetimeFigureOut">
-              <a:rPr lang="en-US" dirty="0"/>
-              <a:pPr/>
+            <a:fld id="{EA378F5D-41A1-48E4-A59B-48EFF7A9877A}" type="datetime1">
+              <a:rPr lang="en-US" smtClean="0"/>
               <a:t>5/18/2020</a:t>
             </a:fld>
             <a:endParaRPr lang="en-US" dirty="0"/>
@@ -8376,9 +8363,8 @@
           <a:bodyPr/>
           <a:lstStyle/>
           <a:p>
-            <a:fld id="{18C79C5D-2A6F-F04D-97DA-BEF2467B64E4}" type="datetimeFigureOut">
-              <a:rPr lang="en-US" dirty="0"/>
-              <a:pPr/>
+            <a:fld id="{BAE9E78F-B3B4-4172-9B30-0316CC0D240D}" type="datetime1">
+              <a:rPr lang="en-US" smtClean="0"/>
               <a:t>5/18/2020</a:t>
             </a:fld>
             <a:endParaRPr lang="en-US" dirty="0"/>
@@ -8643,9 +8629,8 @@
             </a:lvl1pPr>
           </a:lstStyle>
           <a:p>
-            <a:fld id="{09B482E8-6E0E-1B4F-B1FD-C69DB9E858D9}" type="datetimeFigureOut">
-              <a:rPr lang="en-US" dirty="0"/>
-              <a:pPr/>
+            <a:fld id="{37219B26-C9F0-4674-8E8A-037440780049}" type="datetime1">
+              <a:rPr lang="en-US" smtClean="0"/>
               <a:t>5/18/2020</a:t>
             </a:fld>
             <a:endParaRPr lang="en-US" dirty="0"/>
@@ -8711,7 +8696,7 @@
     <p:sldLayoutId id="2147483658" r:id="rId13"/>
     <p:sldLayoutId id="2147483659" r:id="rId14"/>
   </p:sldLayoutIdLst>
-  <p:hf sldNum="0" hdr="0" ftr="0" dt="0"/>
+  <p:hf hdr="0" ftr="0" dt="0"/>
   <p:txStyles>
     <p:titleStyle>
       <a:lvl1pPr algn="l" defTabSz="457200" rtl="0" eaLnBrk="1" latinLnBrk="0" hangingPunct="1">
@@ -9148,6 +9133,36 @@
           </a:p>
         </p:txBody>
       </p:sp>
+      <p:sp>
+        <p:nvSpPr>
+          <p:cNvPr id="4" name="Espace réservé du numéro de diapositive 3">
+            <a:extLst>
+              <a:ext uri="{FF2B5EF4-FFF2-40B4-BE49-F238E27FC236}">
+                <a16:creationId xmlns:a16="http://schemas.microsoft.com/office/drawing/2014/main" id="{94A42BB0-47E0-47D7-8E35-BD2652824B64}"/>
+              </a:ext>
+            </a:extLst>
+          </p:cNvPr>
+          <p:cNvSpPr>
+            <a:spLocks noGrp="1"/>
+          </p:cNvSpPr>
+          <p:nvPr>
+            <p:ph type="sldNum" sz="quarter" idx="12"/>
+          </p:nvPr>
+        </p:nvSpPr>
+        <p:spPr/>
+        <p:txBody>
+          <a:bodyPr/>
+          <a:lstStyle/>
+          <a:p>
+            <a:fld id="{D57F1E4F-1CFF-5643-939E-217C01CDF565}" type="slidenum">
+              <a:rPr lang="en-US" smtClean="0"/>
+              <a:pPr/>
+              <a:t>1</a:t>
+            </a:fld>
+            <a:endParaRPr lang="en-US" dirty="0"/>
+          </a:p>
+        </p:txBody>
+      </p:sp>
     </p:spTree>
     <p:extLst>
       <p:ext uri="{BB962C8B-B14F-4D97-AF65-F5344CB8AC3E}">
@@ -9288,6 +9303,36 @@
           </a:extLst>
         </p:spPr>
       </p:pic>
+      <p:sp>
+        <p:nvSpPr>
+          <p:cNvPr id="4" name="Espace réservé du numéro de diapositive 3">
+            <a:extLst>
+              <a:ext uri="{FF2B5EF4-FFF2-40B4-BE49-F238E27FC236}">
+                <a16:creationId xmlns:a16="http://schemas.microsoft.com/office/drawing/2014/main" id="{1AC713A6-9B01-4F25-8505-C9369E870623}"/>
+              </a:ext>
+            </a:extLst>
+          </p:cNvPr>
+          <p:cNvSpPr>
+            <a:spLocks noGrp="1"/>
+          </p:cNvSpPr>
+          <p:nvPr>
+            <p:ph type="sldNum" sz="quarter" idx="12"/>
+          </p:nvPr>
+        </p:nvSpPr>
+        <p:spPr/>
+        <p:txBody>
+          <a:bodyPr/>
+          <a:lstStyle/>
+          <a:p>
+            <a:fld id="{D57F1E4F-1CFF-5643-939E-217C01CDF565}" type="slidenum">
+              <a:rPr lang="en-US" smtClean="0"/>
+              <a:pPr/>
+              <a:t>10</a:t>
+            </a:fld>
+            <a:endParaRPr lang="en-US" dirty="0"/>
+          </a:p>
+        </p:txBody>
+      </p:sp>
     </p:spTree>
     <p:extLst>
       <p:ext uri="{BB962C8B-B14F-4D97-AF65-F5344CB8AC3E}">
@@ -9304,6 +9349,14 @@
 <file path=ppt/slides/slide11.xml><?xml version="1.0" encoding="utf-8"?>
 <p:sld xmlns:a="http://schemas.openxmlformats.org/drawingml/2006/main" xmlns:r="http://schemas.openxmlformats.org/officeDocument/2006/relationships" xmlns:p="http://schemas.openxmlformats.org/presentationml/2006/main">
   <p:cSld>
+    <p:bg>
+      <p:bgPr>
+        <a:solidFill>
+          <a:schemeClr val="bg2"/>
+        </a:solidFill>
+        <a:effectLst/>
+      </p:bgPr>
+    </p:bg>
     <p:spTree>
       <p:nvGrpSpPr>
         <p:cNvPr id="1" name=""/>
@@ -9320,6 +9373,450 @@
       </p:grpSpPr>
       <p:sp>
         <p:nvSpPr>
+          <p:cNvPr id="18" name="Freeform 6">
+            <a:extLst>
+              <a:ext uri="{FF2B5EF4-FFF2-40B4-BE49-F238E27FC236}">
+                <a16:creationId xmlns:a16="http://schemas.microsoft.com/office/drawing/2014/main" id="{8775F366-526C-4C42-8931-696FFE8AA517}"/>
+              </a:ext>
+              <a:ext uri="{C183D7F6-B498-43B3-948B-1728B52AA6E4}">
+                <adec:decorative xmlns:adec="http://schemas.microsoft.com/office/drawing/2017/decorative" val="1"/>
+              </a:ext>
+            </a:extLst>
+          </p:cNvPr>
+          <p:cNvSpPr>
+            <a:spLocks noGrp="1" noRot="1" noChangeAspect="1" noMove="1" noResize="1" noEditPoints="1" noAdjustHandles="1" noChangeArrowheads="1" noChangeShapeType="1" noTextEdit="1"/>
+          </p:cNvSpPr>
+          <p:nvPr>
+            <p:extLst>
+              <p:ext uri="{386F3935-93C4-4BCD-93E2-E3B085C9AB24}">
+                <p16:designElem xmlns:p16="http://schemas.microsoft.com/office/powerpoint/2015/main" val="1"/>
+              </p:ext>
+            </p:extLst>
+          </p:nvPr>
+        </p:nvSpPr>
+        <p:spPr bwMode="auto">
+          <a:xfrm>
+            <a:off x="0" y="-3175"/>
+            <a:ext cx="12192000" cy="5203825"/>
+          </a:xfrm>
+          <a:custGeom>
+            <a:avLst/>
+            <a:gdLst/>
+            <a:ahLst/>
+            <a:cxnLst/>
+            <a:rect l="0" t="0" r="r" b="b"/>
+            <a:pathLst>
+              <a:path w="5760" h="3278">
+                <a:moveTo>
+                  <a:pt x="5760" y="0"/>
+                </a:moveTo>
+                <a:lnTo>
+                  <a:pt x="0" y="0"/>
+                </a:lnTo>
+                <a:lnTo>
+                  <a:pt x="0" y="3090"/>
+                </a:lnTo>
+                <a:lnTo>
+                  <a:pt x="943" y="3090"/>
+                </a:lnTo>
+                <a:lnTo>
+                  <a:pt x="1123" y="3270"/>
+                </a:lnTo>
+                <a:lnTo>
+                  <a:pt x="1123" y="3270"/>
+                </a:lnTo>
+                <a:lnTo>
+                  <a:pt x="1127" y="3272"/>
+                </a:lnTo>
+                <a:lnTo>
+                  <a:pt x="1133" y="3275"/>
+                </a:lnTo>
+                <a:lnTo>
+                  <a:pt x="1139" y="3278"/>
+                </a:lnTo>
+                <a:lnTo>
+                  <a:pt x="1144" y="3278"/>
+                </a:lnTo>
+                <a:lnTo>
+                  <a:pt x="1150" y="3278"/>
+                </a:lnTo>
+                <a:lnTo>
+                  <a:pt x="1155" y="3275"/>
+                </a:lnTo>
+                <a:lnTo>
+                  <a:pt x="1161" y="3272"/>
+                </a:lnTo>
+                <a:lnTo>
+                  <a:pt x="1165" y="3270"/>
+                </a:lnTo>
+                <a:lnTo>
+                  <a:pt x="1345" y="3090"/>
+                </a:lnTo>
+                <a:lnTo>
+                  <a:pt x="5760" y="3090"/>
+                </a:lnTo>
+                <a:lnTo>
+                  <a:pt x="5760" y="0"/>
+                </a:lnTo>
+                <a:close/>
+              </a:path>
+            </a:pathLst>
+          </a:custGeom>
+          <a:ln/>
+          <a:effectLst/>
+          <a:extLst>
+            <a:ext uri="{91240B29-F687-4f45-9708-019B960494DF}">
+              <a14:hiddenLine xmlns="" xmlns:a14="http://schemas.microsoft.com/office/drawing/2010/main" xmlns:a16="http://schemas.microsoft.com/office/drawing/2014/main" w="9525">
+                <a:solidFill>
+                  <a:srgbClr val="000000"/>
+                </a:solidFill>
+                <a:round/>
+                <a:headEnd/>
+                <a:tailEnd/>
+              </a14:hiddenLine>
+            </a:ext>
+          </a:extLst>
+        </p:spPr>
+        <p:style>
+          <a:lnRef idx="1">
+            <a:schemeClr val="accent1"/>
+          </a:lnRef>
+          <a:fillRef idx="3">
+            <a:schemeClr val="accent1"/>
+          </a:fillRef>
+          <a:effectRef idx="2">
+            <a:schemeClr val="accent1"/>
+          </a:effectRef>
+          <a:fontRef idx="minor">
+            <a:schemeClr val="lt1"/>
+          </a:fontRef>
+        </p:style>
+      </p:sp>
+      <p:sp useBgFill="1">
+        <p:nvSpPr>
+          <p:cNvPr id="20" name="Rectangle 19">
+            <a:extLst>
+              <a:ext uri="{FF2B5EF4-FFF2-40B4-BE49-F238E27FC236}">
+                <a16:creationId xmlns:a16="http://schemas.microsoft.com/office/drawing/2014/main" id="{21DCC7BA-3740-47E1-91B9-6269381397AE}"/>
+              </a:ext>
+              <a:ext uri="{C183D7F6-B498-43B3-948B-1728B52AA6E4}">
+                <adec:decorative xmlns:adec="http://schemas.microsoft.com/office/drawing/2017/decorative" val="1"/>
+              </a:ext>
+            </a:extLst>
+          </p:cNvPr>
+          <p:cNvSpPr>
+            <a:spLocks noGrp="1" noRot="1" noChangeAspect="1" noMove="1" noResize="1" noEditPoints="1" noAdjustHandles="1" noChangeArrowheads="1" noChangeShapeType="1" noTextEdit="1"/>
+          </p:cNvSpPr>
+          <p:nvPr>
+            <p:extLst>
+              <p:ext uri="{386F3935-93C4-4BCD-93E2-E3B085C9AB24}">
+                <p16:designElem xmlns:p16="http://schemas.microsoft.com/office/powerpoint/2015/main" val="1"/>
+              </p:ext>
+            </p:extLst>
+          </p:nvPr>
+        </p:nvSpPr>
+        <p:spPr>
+          <a:xfrm>
+            <a:off x="0" y="0"/>
+            <a:ext cx="12192000" cy="6858000"/>
+          </a:xfrm>
+          <a:prstGeom prst="rect">
+            <a:avLst/>
+          </a:prstGeom>
+          <a:ln>
+            <a:noFill/>
+          </a:ln>
+        </p:spPr>
+        <p:style>
+          <a:lnRef idx="2">
+            <a:schemeClr val="accent1">
+              <a:shade val="50000"/>
+            </a:schemeClr>
+          </a:lnRef>
+          <a:fillRef idx="1">
+            <a:schemeClr val="accent1"/>
+          </a:fillRef>
+          <a:effectRef idx="0">
+            <a:schemeClr val="accent1"/>
+          </a:effectRef>
+          <a:fontRef idx="minor">
+            <a:schemeClr val="lt1"/>
+          </a:fontRef>
+        </p:style>
+        <p:txBody>
+          <a:bodyPr rtlCol="0" anchor="ctr"/>
+          <a:lstStyle/>
+          <a:p>
+            <a:pPr algn="ctr"/>
+            <a:endParaRPr lang="en-US"/>
+          </a:p>
+        </p:txBody>
+      </p:sp>
+      <p:sp>
+        <p:nvSpPr>
+          <p:cNvPr id="22" name="Freeform: Shape 21">
+            <a:extLst>
+              <a:ext uri="{FF2B5EF4-FFF2-40B4-BE49-F238E27FC236}">
+                <a16:creationId xmlns:a16="http://schemas.microsoft.com/office/drawing/2014/main" id="{84CEFA49-6B2F-4FE6-B6AF-31D49E68C23B}"/>
+              </a:ext>
+              <a:ext uri="{C183D7F6-B498-43B3-948B-1728B52AA6E4}">
+                <adec:decorative xmlns:adec="http://schemas.microsoft.com/office/drawing/2017/decorative" val="1"/>
+              </a:ext>
+            </a:extLst>
+          </p:cNvPr>
+          <p:cNvSpPr>
+            <a:spLocks noGrp="1" noRot="1" noChangeAspect="1" noMove="1" noResize="1" noEditPoints="1" noAdjustHandles="1" noChangeArrowheads="1" noChangeShapeType="1" noTextEdit="1"/>
+          </p:cNvSpPr>
+          <p:nvPr>
+            <p:extLst>
+              <p:ext uri="{386F3935-93C4-4BCD-93E2-E3B085C9AB24}">
+                <p16:designElem xmlns:p16="http://schemas.microsoft.com/office/powerpoint/2015/main" val="1"/>
+              </p:ext>
+            </p:extLst>
+          </p:nvPr>
+        </p:nvSpPr>
+        <p:spPr bwMode="auto">
+          <a:xfrm rot="16200000">
+            <a:off x="-40086" y="40084"/>
+            <a:ext cx="6858002" cy="6777832"/>
+          </a:xfrm>
+          <a:custGeom>
+            <a:avLst/>
+            <a:gdLst>
+              <a:gd name="connsiteX0" fmla="*/ 6858001 w 6858002"/>
+              <a:gd name="connsiteY0" fmla="*/ 4666984 h 6777832"/>
+              <a:gd name="connsiteX1" fmla="*/ 3829243 w 6858002"/>
+              <a:gd name="connsiteY1" fmla="*/ 6654602 h 6777832"/>
+              <a:gd name="connsiteX2" fmla="*/ 3827370 w 6858002"/>
+              <a:gd name="connsiteY2" fmla="*/ 6656146 h 6777832"/>
+              <a:gd name="connsiteX3" fmla="*/ 3824584 w 6858002"/>
+              <a:gd name="connsiteY3" fmla="*/ 6657658 h 6777832"/>
+              <a:gd name="connsiteX4" fmla="*/ 3798694 w 6858002"/>
+              <a:gd name="connsiteY4" fmla="*/ 6674649 h 6777832"/>
+              <a:gd name="connsiteX5" fmla="*/ 3785012 w 6858002"/>
+              <a:gd name="connsiteY5" fmla="*/ 6679138 h 6777832"/>
+              <a:gd name="connsiteX6" fmla="*/ 3706340 w 6858002"/>
+              <a:gd name="connsiteY6" fmla="*/ 6721839 h 6777832"/>
+              <a:gd name="connsiteX7" fmla="*/ 3428999 w 6858002"/>
+              <a:gd name="connsiteY7" fmla="*/ 6777832 h 6777832"/>
+              <a:gd name="connsiteX8" fmla="*/ 3151659 w 6858002"/>
+              <a:gd name="connsiteY8" fmla="*/ 6721839 h 6777832"/>
+              <a:gd name="connsiteX9" fmla="*/ 3072997 w 6858002"/>
+              <a:gd name="connsiteY9" fmla="*/ 6679143 h 6777832"/>
+              <a:gd name="connsiteX10" fmla="*/ 3059299 w 6858002"/>
+              <a:gd name="connsiteY10" fmla="*/ 6674649 h 6777832"/>
+              <a:gd name="connsiteX11" fmla="*/ 3033384 w 6858002"/>
+              <a:gd name="connsiteY11" fmla="*/ 6657642 h 6777832"/>
+              <a:gd name="connsiteX12" fmla="*/ 3030628 w 6858002"/>
+              <a:gd name="connsiteY12" fmla="*/ 6656146 h 6777832"/>
+              <a:gd name="connsiteX13" fmla="*/ 3028776 w 6858002"/>
+              <a:gd name="connsiteY13" fmla="*/ 6654618 h 6777832"/>
+              <a:gd name="connsiteX14" fmla="*/ 1 w 6858002"/>
+              <a:gd name="connsiteY14" fmla="*/ 4666984 h 6777832"/>
+              <a:gd name="connsiteX15" fmla="*/ 6858002 w 6858002"/>
+              <a:gd name="connsiteY15" fmla="*/ 0 h 6777832"/>
+              <a:gd name="connsiteX16" fmla="*/ 6858002 w 6858002"/>
+              <a:gd name="connsiteY16" fmla="*/ 1570616 h 6777832"/>
+              <a:gd name="connsiteX17" fmla="*/ 6858001 w 6858002"/>
+              <a:gd name="connsiteY17" fmla="*/ 1570616 h 6777832"/>
+              <a:gd name="connsiteX18" fmla="*/ 6858001 w 6858002"/>
+              <a:gd name="connsiteY18" fmla="*/ 4666983 h 6777832"/>
+              <a:gd name="connsiteX19" fmla="*/ 0 w 6858002"/>
+              <a:gd name="connsiteY19" fmla="*/ 4666983 h 6777832"/>
+              <a:gd name="connsiteX20" fmla="*/ 0 w 6858002"/>
+              <a:gd name="connsiteY20" fmla="*/ 595217 h 6777832"/>
+              <a:gd name="connsiteX21" fmla="*/ 1 w 6858002"/>
+              <a:gd name="connsiteY21" fmla="*/ 595217 h 6777832"/>
+              <a:gd name="connsiteX22" fmla="*/ 1 w 6858002"/>
+              <a:gd name="connsiteY22" fmla="*/ 0 h 6777832"/>
+            </a:gdLst>
+            <a:ahLst/>
+            <a:cxnLst>
+              <a:cxn ang="0">
+                <a:pos x="connsiteX0" y="connsiteY0"/>
+              </a:cxn>
+              <a:cxn ang="0">
+                <a:pos x="connsiteX1" y="connsiteY1"/>
+              </a:cxn>
+              <a:cxn ang="0">
+                <a:pos x="connsiteX2" y="connsiteY2"/>
+              </a:cxn>
+              <a:cxn ang="0">
+                <a:pos x="connsiteX3" y="connsiteY3"/>
+              </a:cxn>
+              <a:cxn ang="0">
+                <a:pos x="connsiteX4" y="connsiteY4"/>
+              </a:cxn>
+              <a:cxn ang="0">
+                <a:pos x="connsiteX5" y="connsiteY5"/>
+              </a:cxn>
+              <a:cxn ang="0">
+                <a:pos x="connsiteX6" y="connsiteY6"/>
+              </a:cxn>
+              <a:cxn ang="0">
+                <a:pos x="connsiteX7" y="connsiteY7"/>
+              </a:cxn>
+              <a:cxn ang="0">
+                <a:pos x="connsiteX8" y="connsiteY8"/>
+              </a:cxn>
+              <a:cxn ang="0">
+                <a:pos x="connsiteX9" y="connsiteY9"/>
+              </a:cxn>
+              <a:cxn ang="0">
+                <a:pos x="connsiteX10" y="connsiteY10"/>
+              </a:cxn>
+              <a:cxn ang="0">
+                <a:pos x="connsiteX11" y="connsiteY11"/>
+              </a:cxn>
+              <a:cxn ang="0">
+                <a:pos x="connsiteX12" y="connsiteY12"/>
+              </a:cxn>
+              <a:cxn ang="0">
+                <a:pos x="connsiteX13" y="connsiteY13"/>
+              </a:cxn>
+              <a:cxn ang="0">
+                <a:pos x="connsiteX14" y="connsiteY14"/>
+              </a:cxn>
+              <a:cxn ang="0">
+                <a:pos x="connsiteX15" y="connsiteY15"/>
+              </a:cxn>
+              <a:cxn ang="0">
+                <a:pos x="connsiteX16" y="connsiteY16"/>
+              </a:cxn>
+              <a:cxn ang="0">
+                <a:pos x="connsiteX17" y="connsiteY17"/>
+              </a:cxn>
+              <a:cxn ang="0">
+                <a:pos x="connsiteX18" y="connsiteY18"/>
+              </a:cxn>
+              <a:cxn ang="0">
+                <a:pos x="connsiteX19" y="connsiteY19"/>
+              </a:cxn>
+              <a:cxn ang="0">
+                <a:pos x="connsiteX20" y="connsiteY20"/>
+              </a:cxn>
+              <a:cxn ang="0">
+                <a:pos x="connsiteX21" y="connsiteY21"/>
+              </a:cxn>
+              <a:cxn ang="0">
+                <a:pos x="connsiteX22" y="connsiteY22"/>
+              </a:cxn>
+            </a:cxnLst>
+            <a:rect l="l" t="t" r="r" b="b"/>
+            <a:pathLst>
+              <a:path w="6858002" h="6777832">
+                <a:moveTo>
+                  <a:pt x="6858001" y="4666984"/>
+                </a:moveTo>
+                <a:lnTo>
+                  <a:pt x="3829243" y="6654602"/>
+                </a:lnTo>
+                <a:lnTo>
+                  <a:pt x="3827370" y="6656146"/>
+                </a:lnTo>
+                <a:lnTo>
+                  <a:pt x="3824584" y="6657658"/>
+                </a:lnTo>
+                <a:lnTo>
+                  <a:pt x="3798694" y="6674649"/>
+                </a:lnTo>
+                <a:lnTo>
+                  <a:pt x="3785012" y="6679138"/>
+                </a:lnTo>
+                <a:lnTo>
+                  <a:pt x="3706340" y="6721839"/>
+                </a:lnTo>
+                <a:cubicBezTo>
+                  <a:pt x="3621097" y="6757894"/>
+                  <a:pt x="3527376" y="6777832"/>
+                  <a:pt x="3428999" y="6777832"/>
+                </a:cubicBezTo>
+                <a:cubicBezTo>
+                  <a:pt x="3330622" y="6777832"/>
+                  <a:pt x="3236902" y="6757894"/>
+                  <a:pt x="3151659" y="6721839"/>
+                </a:cubicBezTo>
+                <a:lnTo>
+                  <a:pt x="3072997" y="6679143"/>
+                </a:lnTo>
+                <a:lnTo>
+                  <a:pt x="3059299" y="6674649"/>
+                </a:lnTo>
+                <a:lnTo>
+                  <a:pt x="3033384" y="6657642"/>
+                </a:lnTo>
+                <a:lnTo>
+                  <a:pt x="3030628" y="6656146"/>
+                </a:lnTo>
+                <a:lnTo>
+                  <a:pt x="3028776" y="6654618"/>
+                </a:lnTo>
+                <a:lnTo>
+                  <a:pt x="1" y="4666984"/>
+                </a:lnTo>
+                <a:close/>
+                <a:moveTo>
+                  <a:pt x="6858002" y="0"/>
+                </a:moveTo>
+                <a:lnTo>
+                  <a:pt x="6858002" y="1570616"/>
+                </a:lnTo>
+                <a:lnTo>
+                  <a:pt x="6858001" y="1570616"/>
+                </a:lnTo>
+                <a:lnTo>
+                  <a:pt x="6858001" y="4666983"/>
+                </a:lnTo>
+                <a:lnTo>
+                  <a:pt x="0" y="4666983"/>
+                </a:lnTo>
+                <a:lnTo>
+                  <a:pt x="0" y="595217"/>
+                </a:lnTo>
+                <a:lnTo>
+                  <a:pt x="1" y="595217"/>
+                </a:lnTo>
+                <a:lnTo>
+                  <a:pt x="1" y="0"/>
+                </a:lnTo>
+                <a:close/>
+              </a:path>
+            </a:pathLst>
+          </a:custGeom>
+          <a:ln>
+            <a:noFill/>
+          </a:ln>
+          <a:effectLst/>
+          <a:extLst>
+            <a:ext uri="{91240B29-F687-4f45-9708-019B960494DF}">
+              <a14:hiddenLine xmlns="" xmlns:a14="http://schemas.microsoft.com/office/drawing/2010/main" xmlns:p14="http://schemas.microsoft.com/office/powerpoint/2010/main" xmlns:a16="http://schemas.microsoft.com/office/drawing/2014/main" w="9525">
+                <a:solidFill>
+                  <a:srgbClr val="000000"/>
+                </a:solidFill>
+                <a:round/>
+                <a:headEnd/>
+                <a:tailEnd/>
+              </a14:hiddenLine>
+            </a:ext>
+          </a:extLst>
+        </p:spPr>
+        <p:style>
+          <a:lnRef idx="1">
+            <a:schemeClr val="accent1"/>
+          </a:lnRef>
+          <a:fillRef idx="3">
+            <a:schemeClr val="accent1"/>
+          </a:fillRef>
+          <a:effectRef idx="2">
+            <a:schemeClr val="accent1"/>
+          </a:effectRef>
+          <a:fontRef idx="minor">
+            <a:schemeClr val="lt1"/>
+          </a:fontRef>
+        </p:style>
+      </p:sp>
+      <p:sp>
+        <p:nvSpPr>
           <p:cNvPr id="4" name="Titre 3">
             <a:extLst>
               <a:ext uri="{FF2B5EF4-FFF2-40B4-BE49-F238E27FC236}">
@@ -9334,15 +9831,121 @@
             <p:ph type="title"/>
           </p:nvPr>
         </p:nvSpPr>
-        <p:spPr/>
+        <p:spPr>
+          <a:xfrm>
+            <a:off x="451514" y="947607"/>
+            <a:ext cx="4389427" cy="4962786"/>
+          </a:xfrm>
+        </p:spPr>
         <p:txBody>
-          <a:bodyPr/>
+          <a:bodyPr vert="horz" lIns="91440" tIns="45720" rIns="91440" bIns="45720" rtlCol="0" anchor="ctr">
+            <a:normAutofit/>
+          </a:bodyPr>
           <a:lstStyle/>
           <a:p>
+            <a:pPr algn="l"/>
             <a:r>
-              <a:rPr lang="fr-FR" dirty="0"/>
+              <a:rPr lang="en-US" sz="4600"/>
               <a:t>Démonstration</a:t>
             </a:r>
+          </a:p>
+        </p:txBody>
+      </p:sp>
+      <p:sp>
+        <p:nvSpPr>
+          <p:cNvPr id="3" name="Espace réservé du numéro de diapositive 2">
+            <a:extLst>
+              <a:ext uri="{FF2B5EF4-FFF2-40B4-BE49-F238E27FC236}">
+                <a16:creationId xmlns:a16="http://schemas.microsoft.com/office/drawing/2014/main" id="{3527E62C-C949-43F6-98D7-C059633B3049}"/>
+              </a:ext>
+            </a:extLst>
+          </p:cNvPr>
+          <p:cNvSpPr>
+            <a:spLocks noGrp="1"/>
+          </p:cNvSpPr>
+          <p:nvPr>
+            <p:ph type="sldNum" sz="quarter" idx="12"/>
+          </p:nvPr>
+        </p:nvSpPr>
+        <p:spPr>
+          <a:xfrm>
+            <a:off x="10678331" y="5915888"/>
+            <a:ext cx="1062155" cy="490599"/>
+          </a:xfrm>
+        </p:spPr>
+        <p:txBody>
+          <a:bodyPr vert="horz" lIns="91440" tIns="45720" rIns="91440" bIns="10800" rtlCol="0" anchor="b">
+            <a:normAutofit/>
+          </a:bodyPr>
+          <a:lstStyle/>
+          <a:p>
+            <a:pPr>
+              <a:spcAft>
+                <a:spcPts val="600"/>
+              </a:spcAft>
+            </a:pPr>
+            <a:fld id="{D57F1E4F-1CFF-5643-939E-217C01CDF565}" type="slidenum">
+              <a:rPr lang="en-US" kern="1200" dirty="0">
+                <a:solidFill>
+                  <a:schemeClr val="accent1"/>
+                </a:solidFill>
+                <a:latin typeface="+mn-lt"/>
+                <a:ea typeface="+mn-ea"/>
+                <a:cs typeface="+mn-cs"/>
+              </a:rPr>
+              <a:pPr>
+                <a:spcAft>
+                  <a:spcPts val="600"/>
+                </a:spcAft>
+              </a:pPr>
+              <a:t>11</a:t>
+            </a:fld>
+            <a:endParaRPr lang="en-US" kern="1200" dirty="0">
+              <a:solidFill>
+                <a:schemeClr val="accent1"/>
+              </a:solidFill>
+              <a:latin typeface="+mn-lt"/>
+              <a:ea typeface="+mn-ea"/>
+              <a:cs typeface="+mn-cs"/>
+            </a:endParaRPr>
+          </a:p>
+        </p:txBody>
+      </p:sp>
+      <p:sp>
+        <p:nvSpPr>
+          <p:cNvPr id="12" name="ZoneTexte 11">
+            <a:extLst>
+              <a:ext uri="{FF2B5EF4-FFF2-40B4-BE49-F238E27FC236}">
+                <a16:creationId xmlns:a16="http://schemas.microsoft.com/office/drawing/2014/main" id="{66DA7817-D36B-46FC-B39F-EF43BB39224F}"/>
+              </a:ext>
+            </a:extLst>
+          </p:cNvPr>
+          <p:cNvSpPr txBox="1"/>
+          <p:nvPr/>
+        </p:nvSpPr>
+        <p:spPr>
+          <a:xfrm>
+            <a:off x="7444934" y="3352799"/>
+            <a:ext cx="4079963" cy="369332"/>
+          </a:xfrm>
+          <a:prstGeom prst="rect">
+            <a:avLst/>
+          </a:prstGeom>
+          <a:noFill/>
+        </p:spPr>
+        <p:txBody>
+          <a:bodyPr wrap="none" rtlCol="0">
+            <a:spAutoFit/>
+          </a:bodyPr>
+          <a:lstStyle/>
+          <a:p>
+            <a:r>
+              <a:rPr lang="fr-FR" dirty="0">
+                <a:hlinkClick r:id="rId2"/>
+              </a:rPr>
+              <a:t>https://pwa-com.herokuapp.com/</a:t>
+            </a:r>
+            <a:endParaRPr lang="fr-FR" dirty="0"/>
           </a:p>
         </p:txBody>
       </p:sp>
@@ -9362,6 +9965,14 @@
 <file path=ppt/slides/slide12.xml><?xml version="1.0" encoding="utf-8"?>
 <p:sld xmlns:a="http://schemas.openxmlformats.org/drawingml/2006/main" xmlns:r="http://schemas.openxmlformats.org/officeDocument/2006/relationships" xmlns:p="http://schemas.openxmlformats.org/presentationml/2006/main">
   <p:cSld>
+    <p:bg>
+      <p:bgPr>
+        <a:solidFill>
+          <a:schemeClr val="bg2"/>
+        </a:solidFill>
+        <a:effectLst/>
+      </p:bgPr>
+    </p:bg>
     <p:spTree>
       <p:nvGrpSpPr>
         <p:cNvPr id="1" name=""/>
@@ -9378,6 +9989,450 @@
       </p:grpSpPr>
       <p:sp>
         <p:nvSpPr>
+          <p:cNvPr id="27" name="Freeform 6">
+            <a:extLst>
+              <a:ext uri="{FF2B5EF4-FFF2-40B4-BE49-F238E27FC236}">
+                <a16:creationId xmlns:a16="http://schemas.microsoft.com/office/drawing/2014/main" id="{8775F366-526C-4C42-8931-696FFE8AA517}"/>
+              </a:ext>
+              <a:ext uri="{C183D7F6-B498-43B3-948B-1728B52AA6E4}">
+                <adec:decorative xmlns:adec="http://schemas.microsoft.com/office/drawing/2017/decorative" val="1"/>
+              </a:ext>
+            </a:extLst>
+          </p:cNvPr>
+          <p:cNvSpPr>
+            <a:spLocks noGrp="1" noRot="1" noChangeAspect="1" noMove="1" noResize="1" noEditPoints="1" noAdjustHandles="1" noChangeArrowheads="1" noChangeShapeType="1" noTextEdit="1"/>
+          </p:cNvSpPr>
+          <p:nvPr>
+            <p:extLst>
+              <p:ext uri="{386F3935-93C4-4BCD-93E2-E3B085C9AB24}">
+                <p16:designElem xmlns:p16="http://schemas.microsoft.com/office/powerpoint/2015/main" val="1"/>
+              </p:ext>
+            </p:extLst>
+          </p:nvPr>
+        </p:nvSpPr>
+        <p:spPr bwMode="auto">
+          <a:xfrm>
+            <a:off x="0" y="-3175"/>
+            <a:ext cx="12192000" cy="5203825"/>
+          </a:xfrm>
+          <a:custGeom>
+            <a:avLst/>
+            <a:gdLst/>
+            <a:ahLst/>
+            <a:cxnLst/>
+            <a:rect l="0" t="0" r="r" b="b"/>
+            <a:pathLst>
+              <a:path w="5760" h="3278">
+                <a:moveTo>
+                  <a:pt x="5760" y="0"/>
+                </a:moveTo>
+                <a:lnTo>
+                  <a:pt x="0" y="0"/>
+                </a:lnTo>
+                <a:lnTo>
+                  <a:pt x="0" y="3090"/>
+                </a:lnTo>
+                <a:lnTo>
+                  <a:pt x="943" y="3090"/>
+                </a:lnTo>
+                <a:lnTo>
+                  <a:pt x="1123" y="3270"/>
+                </a:lnTo>
+                <a:lnTo>
+                  <a:pt x="1123" y="3270"/>
+                </a:lnTo>
+                <a:lnTo>
+                  <a:pt x="1127" y="3272"/>
+                </a:lnTo>
+                <a:lnTo>
+                  <a:pt x="1133" y="3275"/>
+                </a:lnTo>
+                <a:lnTo>
+                  <a:pt x="1139" y="3278"/>
+                </a:lnTo>
+                <a:lnTo>
+                  <a:pt x="1144" y="3278"/>
+                </a:lnTo>
+                <a:lnTo>
+                  <a:pt x="1150" y="3278"/>
+                </a:lnTo>
+                <a:lnTo>
+                  <a:pt x="1155" y="3275"/>
+                </a:lnTo>
+                <a:lnTo>
+                  <a:pt x="1161" y="3272"/>
+                </a:lnTo>
+                <a:lnTo>
+                  <a:pt x="1165" y="3270"/>
+                </a:lnTo>
+                <a:lnTo>
+                  <a:pt x="1345" y="3090"/>
+                </a:lnTo>
+                <a:lnTo>
+                  <a:pt x="5760" y="3090"/>
+                </a:lnTo>
+                <a:lnTo>
+                  <a:pt x="5760" y="0"/>
+                </a:lnTo>
+                <a:close/>
+              </a:path>
+            </a:pathLst>
+          </a:custGeom>
+          <a:ln/>
+          <a:effectLst/>
+          <a:extLst>
+            <a:ext uri="{91240B29-F687-4f45-9708-019B960494DF}">
+              <a14:hiddenLine xmlns="" xmlns:a14="http://schemas.microsoft.com/office/drawing/2010/main" xmlns:a16="http://schemas.microsoft.com/office/drawing/2014/main" w="9525">
+                <a:solidFill>
+                  <a:srgbClr val="000000"/>
+                </a:solidFill>
+                <a:round/>
+                <a:headEnd/>
+                <a:tailEnd/>
+              </a14:hiddenLine>
+            </a:ext>
+          </a:extLst>
+        </p:spPr>
+        <p:style>
+          <a:lnRef idx="1">
+            <a:schemeClr val="accent1"/>
+          </a:lnRef>
+          <a:fillRef idx="3">
+            <a:schemeClr val="accent1"/>
+          </a:fillRef>
+          <a:effectRef idx="2">
+            <a:schemeClr val="accent1"/>
+          </a:effectRef>
+          <a:fontRef idx="minor">
+            <a:schemeClr val="lt1"/>
+          </a:fontRef>
+        </p:style>
+      </p:sp>
+      <p:sp useBgFill="1">
+        <p:nvSpPr>
+          <p:cNvPr id="29" name="Rectangle 28">
+            <a:extLst>
+              <a:ext uri="{FF2B5EF4-FFF2-40B4-BE49-F238E27FC236}">
+                <a16:creationId xmlns:a16="http://schemas.microsoft.com/office/drawing/2014/main" id="{21DCC7BA-3740-47E1-91B9-6269381397AE}"/>
+              </a:ext>
+              <a:ext uri="{C183D7F6-B498-43B3-948B-1728B52AA6E4}">
+                <adec:decorative xmlns:adec="http://schemas.microsoft.com/office/drawing/2017/decorative" val="1"/>
+              </a:ext>
+            </a:extLst>
+          </p:cNvPr>
+          <p:cNvSpPr>
+            <a:spLocks noGrp="1" noRot="1" noChangeAspect="1" noMove="1" noResize="1" noEditPoints="1" noAdjustHandles="1" noChangeArrowheads="1" noChangeShapeType="1" noTextEdit="1"/>
+          </p:cNvSpPr>
+          <p:nvPr>
+            <p:extLst>
+              <p:ext uri="{386F3935-93C4-4BCD-93E2-E3B085C9AB24}">
+                <p16:designElem xmlns:p16="http://schemas.microsoft.com/office/powerpoint/2015/main" val="1"/>
+              </p:ext>
+            </p:extLst>
+          </p:nvPr>
+        </p:nvSpPr>
+        <p:spPr>
+          <a:xfrm>
+            <a:off x="0" y="0"/>
+            <a:ext cx="12192000" cy="6858000"/>
+          </a:xfrm>
+          <a:prstGeom prst="rect">
+            <a:avLst/>
+          </a:prstGeom>
+          <a:ln>
+            <a:noFill/>
+          </a:ln>
+        </p:spPr>
+        <p:style>
+          <a:lnRef idx="2">
+            <a:schemeClr val="accent1">
+              <a:shade val="50000"/>
+            </a:schemeClr>
+          </a:lnRef>
+          <a:fillRef idx="1">
+            <a:schemeClr val="accent1"/>
+          </a:fillRef>
+          <a:effectRef idx="0">
+            <a:schemeClr val="accent1"/>
+          </a:effectRef>
+          <a:fontRef idx="minor">
+            <a:schemeClr val="lt1"/>
+          </a:fontRef>
+        </p:style>
+        <p:txBody>
+          <a:bodyPr rtlCol="0" anchor="ctr"/>
+          <a:lstStyle/>
+          <a:p>
+            <a:pPr algn="ctr"/>
+            <a:endParaRPr lang="en-US"/>
+          </a:p>
+        </p:txBody>
+      </p:sp>
+      <p:sp>
+        <p:nvSpPr>
+          <p:cNvPr id="31" name="Freeform: Shape 30">
+            <a:extLst>
+              <a:ext uri="{FF2B5EF4-FFF2-40B4-BE49-F238E27FC236}">
+                <a16:creationId xmlns:a16="http://schemas.microsoft.com/office/drawing/2014/main" id="{84CEFA49-6B2F-4FE6-B6AF-31D49E68C23B}"/>
+              </a:ext>
+              <a:ext uri="{C183D7F6-B498-43B3-948B-1728B52AA6E4}">
+                <adec:decorative xmlns:adec="http://schemas.microsoft.com/office/drawing/2017/decorative" val="1"/>
+              </a:ext>
+            </a:extLst>
+          </p:cNvPr>
+          <p:cNvSpPr>
+            <a:spLocks noGrp="1" noRot="1" noChangeAspect="1" noMove="1" noResize="1" noEditPoints="1" noAdjustHandles="1" noChangeArrowheads="1" noChangeShapeType="1" noTextEdit="1"/>
+          </p:cNvSpPr>
+          <p:nvPr>
+            <p:extLst>
+              <p:ext uri="{386F3935-93C4-4BCD-93E2-E3B085C9AB24}">
+                <p16:designElem xmlns:p16="http://schemas.microsoft.com/office/powerpoint/2015/main" val="1"/>
+              </p:ext>
+            </p:extLst>
+          </p:nvPr>
+        </p:nvSpPr>
+        <p:spPr bwMode="auto">
+          <a:xfrm rot="16200000">
+            <a:off x="-40086" y="40084"/>
+            <a:ext cx="6858002" cy="6777832"/>
+          </a:xfrm>
+          <a:custGeom>
+            <a:avLst/>
+            <a:gdLst>
+              <a:gd name="connsiteX0" fmla="*/ 6858001 w 6858002"/>
+              <a:gd name="connsiteY0" fmla="*/ 4666984 h 6777832"/>
+              <a:gd name="connsiteX1" fmla="*/ 3829243 w 6858002"/>
+              <a:gd name="connsiteY1" fmla="*/ 6654602 h 6777832"/>
+              <a:gd name="connsiteX2" fmla="*/ 3827370 w 6858002"/>
+              <a:gd name="connsiteY2" fmla="*/ 6656146 h 6777832"/>
+              <a:gd name="connsiteX3" fmla="*/ 3824584 w 6858002"/>
+              <a:gd name="connsiteY3" fmla="*/ 6657658 h 6777832"/>
+              <a:gd name="connsiteX4" fmla="*/ 3798694 w 6858002"/>
+              <a:gd name="connsiteY4" fmla="*/ 6674649 h 6777832"/>
+              <a:gd name="connsiteX5" fmla="*/ 3785012 w 6858002"/>
+              <a:gd name="connsiteY5" fmla="*/ 6679138 h 6777832"/>
+              <a:gd name="connsiteX6" fmla="*/ 3706340 w 6858002"/>
+              <a:gd name="connsiteY6" fmla="*/ 6721839 h 6777832"/>
+              <a:gd name="connsiteX7" fmla="*/ 3428999 w 6858002"/>
+              <a:gd name="connsiteY7" fmla="*/ 6777832 h 6777832"/>
+              <a:gd name="connsiteX8" fmla="*/ 3151659 w 6858002"/>
+              <a:gd name="connsiteY8" fmla="*/ 6721839 h 6777832"/>
+              <a:gd name="connsiteX9" fmla="*/ 3072997 w 6858002"/>
+              <a:gd name="connsiteY9" fmla="*/ 6679143 h 6777832"/>
+              <a:gd name="connsiteX10" fmla="*/ 3059299 w 6858002"/>
+              <a:gd name="connsiteY10" fmla="*/ 6674649 h 6777832"/>
+              <a:gd name="connsiteX11" fmla="*/ 3033384 w 6858002"/>
+              <a:gd name="connsiteY11" fmla="*/ 6657642 h 6777832"/>
+              <a:gd name="connsiteX12" fmla="*/ 3030628 w 6858002"/>
+              <a:gd name="connsiteY12" fmla="*/ 6656146 h 6777832"/>
+              <a:gd name="connsiteX13" fmla="*/ 3028776 w 6858002"/>
+              <a:gd name="connsiteY13" fmla="*/ 6654618 h 6777832"/>
+              <a:gd name="connsiteX14" fmla="*/ 1 w 6858002"/>
+              <a:gd name="connsiteY14" fmla="*/ 4666984 h 6777832"/>
+              <a:gd name="connsiteX15" fmla="*/ 6858002 w 6858002"/>
+              <a:gd name="connsiteY15" fmla="*/ 0 h 6777832"/>
+              <a:gd name="connsiteX16" fmla="*/ 6858002 w 6858002"/>
+              <a:gd name="connsiteY16" fmla="*/ 1570616 h 6777832"/>
+              <a:gd name="connsiteX17" fmla="*/ 6858001 w 6858002"/>
+              <a:gd name="connsiteY17" fmla="*/ 1570616 h 6777832"/>
+              <a:gd name="connsiteX18" fmla="*/ 6858001 w 6858002"/>
+              <a:gd name="connsiteY18" fmla="*/ 4666983 h 6777832"/>
+              <a:gd name="connsiteX19" fmla="*/ 0 w 6858002"/>
+              <a:gd name="connsiteY19" fmla="*/ 4666983 h 6777832"/>
+              <a:gd name="connsiteX20" fmla="*/ 0 w 6858002"/>
+              <a:gd name="connsiteY20" fmla="*/ 595217 h 6777832"/>
+              <a:gd name="connsiteX21" fmla="*/ 1 w 6858002"/>
+              <a:gd name="connsiteY21" fmla="*/ 595217 h 6777832"/>
+              <a:gd name="connsiteX22" fmla="*/ 1 w 6858002"/>
+              <a:gd name="connsiteY22" fmla="*/ 0 h 6777832"/>
+            </a:gdLst>
+            <a:ahLst/>
+            <a:cxnLst>
+              <a:cxn ang="0">
+                <a:pos x="connsiteX0" y="connsiteY0"/>
+              </a:cxn>
+              <a:cxn ang="0">
+                <a:pos x="connsiteX1" y="connsiteY1"/>
+              </a:cxn>
+              <a:cxn ang="0">
+                <a:pos x="connsiteX2" y="connsiteY2"/>
+              </a:cxn>
+              <a:cxn ang="0">
+                <a:pos x="connsiteX3" y="connsiteY3"/>
+              </a:cxn>
+              <a:cxn ang="0">
+                <a:pos x="connsiteX4" y="connsiteY4"/>
+              </a:cxn>
+              <a:cxn ang="0">
+                <a:pos x="connsiteX5" y="connsiteY5"/>
+              </a:cxn>
+              <a:cxn ang="0">
+                <a:pos x="connsiteX6" y="connsiteY6"/>
+              </a:cxn>
+              <a:cxn ang="0">
+                <a:pos x="connsiteX7" y="connsiteY7"/>
+              </a:cxn>
+              <a:cxn ang="0">
+                <a:pos x="connsiteX8" y="connsiteY8"/>
+              </a:cxn>
+              <a:cxn ang="0">
+                <a:pos x="connsiteX9" y="connsiteY9"/>
+              </a:cxn>
+              <a:cxn ang="0">
+                <a:pos x="connsiteX10" y="connsiteY10"/>
+              </a:cxn>
+              <a:cxn ang="0">
+                <a:pos x="connsiteX11" y="connsiteY11"/>
+              </a:cxn>
+              <a:cxn ang="0">
+                <a:pos x="connsiteX12" y="connsiteY12"/>
+              </a:cxn>
+              <a:cxn ang="0">
+                <a:pos x="connsiteX13" y="connsiteY13"/>
+              </a:cxn>
+              <a:cxn ang="0">
+                <a:pos x="connsiteX14" y="connsiteY14"/>
+              </a:cxn>
+              <a:cxn ang="0">
+                <a:pos x="connsiteX15" y="connsiteY15"/>
+              </a:cxn>
+              <a:cxn ang="0">
+                <a:pos x="connsiteX16" y="connsiteY16"/>
+              </a:cxn>
+              <a:cxn ang="0">
+                <a:pos x="connsiteX17" y="connsiteY17"/>
+              </a:cxn>
+              <a:cxn ang="0">
+                <a:pos x="connsiteX18" y="connsiteY18"/>
+              </a:cxn>
+              <a:cxn ang="0">
+                <a:pos x="connsiteX19" y="connsiteY19"/>
+              </a:cxn>
+              <a:cxn ang="0">
+                <a:pos x="connsiteX20" y="connsiteY20"/>
+              </a:cxn>
+              <a:cxn ang="0">
+                <a:pos x="connsiteX21" y="connsiteY21"/>
+              </a:cxn>
+              <a:cxn ang="0">
+                <a:pos x="connsiteX22" y="connsiteY22"/>
+              </a:cxn>
+            </a:cxnLst>
+            <a:rect l="l" t="t" r="r" b="b"/>
+            <a:pathLst>
+              <a:path w="6858002" h="6777832">
+                <a:moveTo>
+                  <a:pt x="6858001" y="4666984"/>
+                </a:moveTo>
+                <a:lnTo>
+                  <a:pt x="3829243" y="6654602"/>
+                </a:lnTo>
+                <a:lnTo>
+                  <a:pt x="3827370" y="6656146"/>
+                </a:lnTo>
+                <a:lnTo>
+                  <a:pt x="3824584" y="6657658"/>
+                </a:lnTo>
+                <a:lnTo>
+                  <a:pt x="3798694" y="6674649"/>
+                </a:lnTo>
+                <a:lnTo>
+                  <a:pt x="3785012" y="6679138"/>
+                </a:lnTo>
+                <a:lnTo>
+                  <a:pt x="3706340" y="6721839"/>
+                </a:lnTo>
+                <a:cubicBezTo>
+                  <a:pt x="3621097" y="6757894"/>
+                  <a:pt x="3527376" y="6777832"/>
+                  <a:pt x="3428999" y="6777832"/>
+                </a:cubicBezTo>
+                <a:cubicBezTo>
+                  <a:pt x="3330622" y="6777832"/>
+                  <a:pt x="3236902" y="6757894"/>
+                  <a:pt x="3151659" y="6721839"/>
+                </a:cubicBezTo>
+                <a:lnTo>
+                  <a:pt x="3072997" y="6679143"/>
+                </a:lnTo>
+                <a:lnTo>
+                  <a:pt x="3059299" y="6674649"/>
+                </a:lnTo>
+                <a:lnTo>
+                  <a:pt x="3033384" y="6657642"/>
+                </a:lnTo>
+                <a:lnTo>
+                  <a:pt x="3030628" y="6656146"/>
+                </a:lnTo>
+                <a:lnTo>
+                  <a:pt x="3028776" y="6654618"/>
+                </a:lnTo>
+                <a:lnTo>
+                  <a:pt x="1" y="4666984"/>
+                </a:lnTo>
+                <a:close/>
+                <a:moveTo>
+                  <a:pt x="6858002" y="0"/>
+                </a:moveTo>
+                <a:lnTo>
+                  <a:pt x="6858002" y="1570616"/>
+                </a:lnTo>
+                <a:lnTo>
+                  <a:pt x="6858001" y="1570616"/>
+                </a:lnTo>
+                <a:lnTo>
+                  <a:pt x="6858001" y="4666983"/>
+                </a:lnTo>
+                <a:lnTo>
+                  <a:pt x="0" y="4666983"/>
+                </a:lnTo>
+                <a:lnTo>
+                  <a:pt x="0" y="595217"/>
+                </a:lnTo>
+                <a:lnTo>
+                  <a:pt x="1" y="595217"/>
+                </a:lnTo>
+                <a:lnTo>
+                  <a:pt x="1" y="0"/>
+                </a:lnTo>
+                <a:close/>
+              </a:path>
+            </a:pathLst>
+          </a:custGeom>
+          <a:ln>
+            <a:noFill/>
+          </a:ln>
+          <a:effectLst/>
+          <a:extLst>
+            <a:ext uri="{91240B29-F687-4f45-9708-019B960494DF}">
+              <a14:hiddenLine xmlns="" xmlns:a14="http://schemas.microsoft.com/office/drawing/2010/main" xmlns:p14="http://schemas.microsoft.com/office/powerpoint/2010/main" xmlns:a16="http://schemas.microsoft.com/office/drawing/2014/main" w="9525">
+                <a:solidFill>
+                  <a:srgbClr val="000000"/>
+                </a:solidFill>
+                <a:round/>
+                <a:headEnd/>
+                <a:tailEnd/>
+              </a14:hiddenLine>
+            </a:ext>
+          </a:extLst>
+        </p:spPr>
+        <p:style>
+          <a:lnRef idx="1">
+            <a:schemeClr val="accent1"/>
+          </a:lnRef>
+          <a:fillRef idx="3">
+            <a:schemeClr val="accent1"/>
+          </a:fillRef>
+          <a:effectRef idx="2">
+            <a:schemeClr val="accent1"/>
+          </a:effectRef>
+          <a:fontRef idx="minor">
+            <a:schemeClr val="lt1"/>
+          </a:fontRef>
+        </p:style>
+      </p:sp>
+      <p:sp>
+        <p:nvSpPr>
           <p:cNvPr id="4" name="Titre 3">
             <a:extLst>
               <a:ext uri="{FF2B5EF4-FFF2-40B4-BE49-F238E27FC236}">
@@ -9392,15 +10447,83 @@
             <p:ph type="title"/>
           </p:nvPr>
         </p:nvSpPr>
-        <p:spPr/>
+        <p:spPr>
+          <a:xfrm>
+            <a:off x="451514" y="947607"/>
+            <a:ext cx="4389427" cy="4962786"/>
+          </a:xfrm>
+        </p:spPr>
         <p:txBody>
-          <a:bodyPr/>
+          <a:bodyPr vert="horz" lIns="91440" tIns="45720" rIns="91440" bIns="45720" rtlCol="0" anchor="ctr">
+            <a:normAutofit/>
+          </a:bodyPr>
           <a:lstStyle/>
           <a:p>
+            <a:pPr algn="l"/>
             <a:r>
-              <a:rPr lang="fr-FR" dirty="0"/>
+              <a:rPr lang="en-US" sz="5400"/>
               <a:t>Conclusion</a:t>
             </a:r>
+          </a:p>
+        </p:txBody>
+      </p:sp>
+      <p:sp>
+        <p:nvSpPr>
+          <p:cNvPr id="2" name="Espace réservé du numéro de diapositive 1">
+            <a:extLst>
+              <a:ext uri="{FF2B5EF4-FFF2-40B4-BE49-F238E27FC236}">
+                <a16:creationId xmlns:a16="http://schemas.microsoft.com/office/drawing/2014/main" id="{1D245503-76FF-4CAD-8431-81B88618A2D3}"/>
+              </a:ext>
+            </a:extLst>
+          </p:cNvPr>
+          <p:cNvSpPr>
+            <a:spLocks noGrp="1"/>
+          </p:cNvSpPr>
+          <p:nvPr>
+            <p:ph type="sldNum" sz="quarter" idx="12"/>
+          </p:nvPr>
+        </p:nvSpPr>
+        <p:spPr>
+          <a:xfrm>
+            <a:off x="10678331" y="5915888"/>
+            <a:ext cx="1062155" cy="490599"/>
+          </a:xfrm>
+        </p:spPr>
+        <p:txBody>
+          <a:bodyPr vert="horz" lIns="91440" tIns="45720" rIns="91440" bIns="10800" rtlCol="0" anchor="b">
+            <a:normAutofit/>
+          </a:bodyPr>
+          <a:lstStyle/>
+          <a:p>
+            <a:pPr>
+              <a:spcAft>
+                <a:spcPts val="600"/>
+              </a:spcAft>
+            </a:pPr>
+            <a:fld id="{D57F1E4F-1CFF-5643-939E-217C01CDF565}" type="slidenum">
+              <a:rPr lang="en-US" kern="1200" dirty="0">
+                <a:solidFill>
+                  <a:schemeClr val="accent1"/>
+                </a:solidFill>
+                <a:latin typeface="+mn-lt"/>
+                <a:ea typeface="+mn-ea"/>
+                <a:cs typeface="+mn-cs"/>
+              </a:rPr>
+              <a:pPr>
+                <a:spcAft>
+                  <a:spcPts val="600"/>
+                </a:spcAft>
+              </a:pPr>
+              <a:t>12</a:t>
+            </a:fld>
+            <a:endParaRPr lang="en-US" kern="1200" dirty="0">
+              <a:solidFill>
+                <a:schemeClr val="accent1"/>
+              </a:solidFill>
+              <a:latin typeface="+mn-lt"/>
+              <a:ea typeface="+mn-ea"/>
+              <a:cs typeface="+mn-cs"/>
+            </a:endParaRPr>
           </a:p>
         </p:txBody>
       </p:sp>
@@ -9550,6 +10673,36 @@
           </a:prstGeom>
         </p:spPr>
       </p:pic>
+      <p:sp>
+        <p:nvSpPr>
+          <p:cNvPr id="5" name="Espace réservé du numéro de diapositive 4">
+            <a:extLst>
+              <a:ext uri="{FF2B5EF4-FFF2-40B4-BE49-F238E27FC236}">
+                <a16:creationId xmlns:a16="http://schemas.microsoft.com/office/drawing/2014/main" id="{F905DED9-52D0-4867-824A-D8F220A8BCE2}"/>
+              </a:ext>
+            </a:extLst>
+          </p:cNvPr>
+          <p:cNvSpPr>
+            <a:spLocks noGrp="1"/>
+          </p:cNvSpPr>
+          <p:nvPr>
+            <p:ph type="sldNum" sz="quarter" idx="12"/>
+          </p:nvPr>
+        </p:nvSpPr>
+        <p:spPr/>
+        <p:txBody>
+          <a:bodyPr/>
+          <a:lstStyle/>
+          <a:p>
+            <a:fld id="{D57F1E4F-1CFF-5643-939E-217C01CDF565}" type="slidenum">
+              <a:rPr lang="en-US" smtClean="0"/>
+              <a:pPr/>
+              <a:t>13</a:t>
+            </a:fld>
+            <a:endParaRPr lang="en-US" dirty="0"/>
+          </a:p>
+        </p:txBody>
+      </p:sp>
     </p:spTree>
     <p:extLst>
       <p:ext uri="{BB962C8B-B14F-4D97-AF65-F5344CB8AC3E}">
@@ -9670,6 +10823,36 @@
           </a:p>
         </p:txBody>
       </p:sp>
+      <p:sp>
+        <p:nvSpPr>
+          <p:cNvPr id="4" name="Espace réservé du numéro de diapositive 3">
+            <a:extLst>
+              <a:ext uri="{FF2B5EF4-FFF2-40B4-BE49-F238E27FC236}">
+                <a16:creationId xmlns:a16="http://schemas.microsoft.com/office/drawing/2014/main" id="{B0DA04A9-69A8-4083-837F-3894F94F1CAB}"/>
+              </a:ext>
+            </a:extLst>
+          </p:cNvPr>
+          <p:cNvSpPr>
+            <a:spLocks noGrp="1"/>
+          </p:cNvSpPr>
+          <p:nvPr>
+            <p:ph type="sldNum" sz="quarter" idx="12"/>
+          </p:nvPr>
+        </p:nvSpPr>
+        <p:spPr/>
+        <p:txBody>
+          <a:bodyPr/>
+          <a:lstStyle/>
+          <a:p>
+            <a:fld id="{D57F1E4F-1CFF-5643-939E-217C01CDF565}" type="slidenum">
+              <a:rPr lang="en-US" smtClean="0"/>
+              <a:pPr/>
+              <a:t>14</a:t>
+            </a:fld>
+            <a:endParaRPr lang="en-US" dirty="0"/>
+          </a:p>
+        </p:txBody>
+      </p:sp>
     </p:spTree>
     <p:extLst>
       <p:ext uri="{BB962C8B-B14F-4D97-AF65-F5344CB8AC3E}">
@@ -9756,6 +10939,36 @@
           </a:p>
         </p:txBody>
       </p:sp>
+      <p:sp>
+        <p:nvSpPr>
+          <p:cNvPr id="4" name="Espace réservé du numéro de diapositive 3">
+            <a:extLst>
+              <a:ext uri="{FF2B5EF4-FFF2-40B4-BE49-F238E27FC236}">
+                <a16:creationId xmlns:a16="http://schemas.microsoft.com/office/drawing/2014/main" id="{703B4153-D6D7-4C30-BF7B-A3ACAC3DBC26}"/>
+              </a:ext>
+            </a:extLst>
+          </p:cNvPr>
+          <p:cNvSpPr>
+            <a:spLocks noGrp="1"/>
+          </p:cNvSpPr>
+          <p:nvPr>
+            <p:ph type="sldNum" sz="quarter" idx="12"/>
+          </p:nvPr>
+        </p:nvSpPr>
+        <p:spPr/>
+        <p:txBody>
+          <a:bodyPr/>
+          <a:lstStyle/>
+          <a:p>
+            <a:fld id="{D57F1E4F-1CFF-5643-939E-217C01CDF565}" type="slidenum">
+              <a:rPr lang="en-US" smtClean="0"/>
+              <a:pPr/>
+              <a:t>15</a:t>
+            </a:fld>
+            <a:endParaRPr lang="en-US" dirty="0"/>
+          </a:p>
+        </p:txBody>
+      </p:sp>
     </p:spTree>
     <p:extLst>
       <p:ext uri="{BB962C8B-B14F-4D97-AF65-F5344CB8AC3E}">
@@ -9772,6 +10985,14 @@
 <file path=ppt/slides/slide2.xml><?xml version="1.0" encoding="utf-8"?>
 <p:sld xmlns:a="http://schemas.openxmlformats.org/drawingml/2006/main" xmlns:r="http://schemas.openxmlformats.org/officeDocument/2006/relationships" xmlns:p="http://schemas.openxmlformats.org/presentationml/2006/main">
   <p:cSld>
+    <p:bg>
+      <p:bgPr>
+        <a:solidFill>
+          <a:schemeClr val="bg2"/>
+        </a:solidFill>
+        <a:effectLst/>
+      </p:bgPr>
+    </p:bg>
     <p:spTree>
       <p:nvGrpSpPr>
         <p:cNvPr id="1" name=""/>
@@ -9786,6 +11007,66 @@
           <a:chExt cx="0" cy="0"/>
         </a:xfrm>
       </p:grpSpPr>
+      <p:sp useBgFill="1">
+        <p:nvSpPr>
+          <p:cNvPr id="9" name="Rectangle 8">
+            <a:extLst>
+              <a:ext uri="{FF2B5EF4-FFF2-40B4-BE49-F238E27FC236}">
+                <a16:creationId xmlns:a16="http://schemas.microsoft.com/office/drawing/2014/main" id="{35C44DBB-AD7C-4682-B258-6367305D207B}"/>
+              </a:ext>
+              <a:ext uri="{C183D7F6-B498-43B3-948B-1728B52AA6E4}">
+                <adec:decorative xmlns:adec="http://schemas.microsoft.com/office/drawing/2017/decorative" val="1"/>
+              </a:ext>
+            </a:extLst>
+          </p:cNvPr>
+          <p:cNvSpPr>
+            <a:spLocks noGrp="1" noRot="1" noChangeAspect="1" noMove="1" noResize="1" noEditPoints="1" noAdjustHandles="1" noChangeArrowheads="1" noChangeShapeType="1" noTextEdit="1"/>
+          </p:cNvSpPr>
+          <p:nvPr>
+            <p:extLst>
+              <p:ext uri="{386F3935-93C4-4BCD-93E2-E3B085C9AB24}">
+                <p16:designElem xmlns:p16="http://schemas.microsoft.com/office/powerpoint/2015/main" val="1"/>
+              </p:ext>
+            </p:extLst>
+          </p:nvPr>
+        </p:nvSpPr>
+        <p:spPr>
+          <a:xfrm>
+            <a:off x="0" y="0"/>
+            <a:ext cx="12192000" cy="6858000"/>
+          </a:xfrm>
+          <a:prstGeom prst="rect">
+            <a:avLst/>
+          </a:prstGeom>
+          <a:ln>
+            <a:noFill/>
+          </a:ln>
+        </p:spPr>
+        <p:style>
+          <a:lnRef idx="2">
+            <a:schemeClr val="accent1">
+              <a:shade val="50000"/>
+            </a:schemeClr>
+          </a:lnRef>
+          <a:fillRef idx="1">
+            <a:schemeClr val="accent1"/>
+          </a:fillRef>
+          <a:effectRef idx="0">
+            <a:schemeClr val="accent1"/>
+          </a:effectRef>
+          <a:fontRef idx="minor">
+            <a:schemeClr val="lt1"/>
+          </a:fontRef>
+        </p:style>
+        <p:txBody>
+          <a:bodyPr rtlCol="0" anchor="ctr"/>
+          <a:lstStyle/>
+          <a:p>
+            <a:pPr algn="ctr"/>
+            <a:endParaRPr lang="en-US"/>
+          </a:p>
+        </p:txBody>
+      </p:sp>
       <p:sp>
         <p:nvSpPr>
           <p:cNvPr id="2" name="Titre 1">
@@ -9802,18 +11083,79 @@
             <p:ph type="title"/>
           </p:nvPr>
         </p:nvSpPr>
-        <p:spPr/>
+        <p:spPr>
+          <a:xfrm>
+            <a:off x="965200" y="1218476"/>
+            <a:ext cx="3187318" cy="4421050"/>
+          </a:xfrm>
+          <a:effectLst/>
+        </p:spPr>
         <p:txBody>
-          <a:bodyPr/>
+          <a:bodyPr anchor="ctr">
+            <a:normAutofit/>
+          </a:bodyPr>
           <a:lstStyle/>
           <a:p>
+            <a:pPr algn="r"/>
             <a:r>
-              <a:rPr lang="fr-FR" dirty="0"/>
+              <a:rPr lang="fr-FR" sz="3200">
+                <a:solidFill>
+                  <a:schemeClr val="tx1"/>
+                </a:solidFill>
+              </a:rPr>
               <a:t>Sommaire</a:t>
             </a:r>
           </a:p>
         </p:txBody>
       </p:sp>
+      <p:cxnSp>
+        <p:nvCxnSpPr>
+          <p:cNvPr id="11" name="Straight Connector 10">
+            <a:extLst>
+              <a:ext uri="{FF2B5EF4-FFF2-40B4-BE49-F238E27FC236}">
+                <a16:creationId xmlns:a16="http://schemas.microsoft.com/office/drawing/2014/main" id="{A1CED323-FAF0-4E0B-8717-FC1F468A28FE}"/>
+              </a:ext>
+              <a:ext uri="{C183D7F6-B498-43B3-948B-1728B52AA6E4}">
+                <adec:decorative xmlns:adec="http://schemas.microsoft.com/office/drawing/2017/decorative" val="1"/>
+              </a:ext>
+            </a:extLst>
+          </p:cNvPr>
+          <p:cNvCxnSpPr>
+            <a:cxnSpLocks noGrp="1" noRot="1" noChangeAspect="1" noMove="1" noResize="1" noEditPoints="1" noAdjustHandles="1" noChangeArrowheads="1" noChangeShapeType="1"/>
+          </p:cNvCxnSpPr>
+          <p:nvPr>
+            <p:extLst>
+              <p:ext uri="{386F3935-93C4-4BCD-93E2-E3B085C9AB24}">
+                <p16:designElem xmlns:p16="http://schemas.microsoft.com/office/powerpoint/2015/main" val="1"/>
+              </p:ext>
+            </p:extLst>
+          </p:nvPr>
+        </p:nvCxnSpPr>
+        <p:spPr>
+          <a:xfrm>
+            <a:off x="4649634" y="1696777"/>
+            <a:ext cx="0" cy="3464447"/>
+          </a:xfrm>
+          <a:prstGeom prst="line">
+            <a:avLst/>
+          </a:prstGeom>
+          <a:ln w="22225"/>
+        </p:spPr>
+        <p:style>
+          <a:lnRef idx="1">
+            <a:schemeClr val="accent1"/>
+          </a:lnRef>
+          <a:fillRef idx="0">
+            <a:schemeClr val="accent1"/>
+          </a:fillRef>
+          <a:effectRef idx="0">
+            <a:schemeClr val="accent1"/>
+          </a:effectRef>
+          <a:fontRef idx="minor">
+            <a:schemeClr val="tx1"/>
+          </a:fontRef>
+        </p:style>
+      </p:cxnSp>
       <p:sp>
         <p:nvSpPr>
           <p:cNvPr id="3" name="Espace réservé du contenu 2">
@@ -9830,33 +11172,87 @@
             <p:ph idx="1"/>
           </p:nvPr>
         </p:nvSpPr>
-        <p:spPr/>
+        <p:spPr>
+          <a:xfrm>
+            <a:off x="5146751" y="1218475"/>
+            <a:ext cx="6080050" cy="4421051"/>
+          </a:xfrm>
+          <a:effectLst/>
+        </p:spPr>
         <p:txBody>
-          <a:bodyPr/>
+          <a:bodyPr>
+            <a:normAutofit/>
+          </a:bodyPr>
           <a:lstStyle/>
           <a:p>
             <a:r>
-              <a:rPr lang="fr-FR" dirty="0"/>
+              <a:rPr lang="fr-FR" sz="1600" dirty="0"/>
               <a:t>Présentation du projet</a:t>
             </a:r>
           </a:p>
           <a:p>
             <a:r>
-              <a:rPr lang="fr-FR" dirty="0"/>
+              <a:rPr lang="fr-FR" sz="1600" dirty="0"/>
               <a:t>Spécifications techniques</a:t>
             </a:r>
           </a:p>
           <a:p>
             <a:r>
-              <a:rPr lang="fr-FR" dirty="0"/>
+              <a:rPr lang="fr-FR" sz="1600" dirty="0"/>
               <a:t>Démonstration</a:t>
             </a:r>
           </a:p>
           <a:p>
             <a:r>
-              <a:rPr lang="fr-FR" dirty="0"/>
+              <a:rPr lang="fr-FR" sz="1600" dirty="0"/>
               <a:t>Conclusion</a:t>
             </a:r>
+          </a:p>
+        </p:txBody>
+      </p:sp>
+      <p:sp>
+        <p:nvSpPr>
+          <p:cNvPr id="4" name="Espace réservé du numéro de diapositive 3">
+            <a:extLst>
+              <a:ext uri="{FF2B5EF4-FFF2-40B4-BE49-F238E27FC236}">
+                <a16:creationId xmlns:a16="http://schemas.microsoft.com/office/drawing/2014/main" id="{27C7CCE7-2DCB-4CB8-BF00-777407F88B9A}"/>
+              </a:ext>
+            </a:extLst>
+          </p:cNvPr>
+          <p:cNvSpPr>
+            <a:spLocks noGrp="1"/>
+          </p:cNvSpPr>
+          <p:nvPr>
+            <p:ph type="sldNum" sz="quarter" idx="12"/>
+          </p:nvPr>
+        </p:nvSpPr>
+        <p:spPr>
+          <a:xfrm>
+            <a:off x="10678331" y="5915888"/>
+            <a:ext cx="1062155" cy="490599"/>
+          </a:xfrm>
+        </p:spPr>
+        <p:txBody>
+          <a:bodyPr>
+            <a:normAutofit/>
+          </a:bodyPr>
+          <a:lstStyle/>
+          <a:p>
+            <a:pPr>
+              <a:spcAft>
+                <a:spcPts val="600"/>
+              </a:spcAft>
+            </a:pPr>
+            <a:fld id="{D57F1E4F-1CFF-5643-939E-217C01CDF565}" type="slidenum">
+              <a:rPr lang="en-US" smtClean="0"/>
+              <a:pPr>
+                <a:spcAft>
+                  <a:spcPts val="600"/>
+                </a:spcAft>
+              </a:pPr>
+              <a:t>2</a:t>
+            </a:fld>
+            <a:endParaRPr lang="en-US"/>
           </a:p>
         </p:txBody>
       </p:sp>
@@ -9876,6 +11272,14 @@
 <file path=ppt/slides/slide3.xml><?xml version="1.0" encoding="utf-8"?>
 <p:sld xmlns:a="http://schemas.openxmlformats.org/drawingml/2006/main" xmlns:r="http://schemas.openxmlformats.org/officeDocument/2006/relationships" xmlns:p="http://schemas.openxmlformats.org/presentationml/2006/main">
   <p:cSld>
+    <p:bg>
+      <p:bgPr>
+        <a:solidFill>
+          <a:schemeClr val="bg2"/>
+        </a:solidFill>
+        <a:effectLst/>
+      </p:bgPr>
+    </p:bg>
     <p:spTree>
       <p:nvGrpSpPr>
         <p:cNvPr id="1" name=""/>
@@ -9892,6 +11296,450 @@
       </p:grpSpPr>
       <p:sp>
         <p:nvSpPr>
+          <p:cNvPr id="18" name="Freeform 6">
+            <a:extLst>
+              <a:ext uri="{FF2B5EF4-FFF2-40B4-BE49-F238E27FC236}">
+                <a16:creationId xmlns:a16="http://schemas.microsoft.com/office/drawing/2014/main" id="{8775F366-526C-4C42-8931-696FFE8AA517}"/>
+              </a:ext>
+              <a:ext uri="{C183D7F6-B498-43B3-948B-1728B52AA6E4}">
+                <adec:decorative xmlns:adec="http://schemas.microsoft.com/office/drawing/2017/decorative" val="1"/>
+              </a:ext>
+            </a:extLst>
+          </p:cNvPr>
+          <p:cNvSpPr>
+            <a:spLocks noGrp="1" noRot="1" noChangeAspect="1" noMove="1" noResize="1" noEditPoints="1" noAdjustHandles="1" noChangeArrowheads="1" noChangeShapeType="1" noTextEdit="1"/>
+          </p:cNvSpPr>
+          <p:nvPr>
+            <p:extLst>
+              <p:ext uri="{386F3935-93C4-4BCD-93E2-E3B085C9AB24}">
+                <p16:designElem xmlns:p16="http://schemas.microsoft.com/office/powerpoint/2015/main" val="1"/>
+              </p:ext>
+            </p:extLst>
+          </p:nvPr>
+        </p:nvSpPr>
+        <p:spPr bwMode="auto">
+          <a:xfrm>
+            <a:off x="0" y="-3175"/>
+            <a:ext cx="12192000" cy="5203825"/>
+          </a:xfrm>
+          <a:custGeom>
+            <a:avLst/>
+            <a:gdLst/>
+            <a:ahLst/>
+            <a:cxnLst/>
+            <a:rect l="0" t="0" r="r" b="b"/>
+            <a:pathLst>
+              <a:path w="5760" h="3278">
+                <a:moveTo>
+                  <a:pt x="5760" y="0"/>
+                </a:moveTo>
+                <a:lnTo>
+                  <a:pt x="0" y="0"/>
+                </a:lnTo>
+                <a:lnTo>
+                  <a:pt x="0" y="3090"/>
+                </a:lnTo>
+                <a:lnTo>
+                  <a:pt x="943" y="3090"/>
+                </a:lnTo>
+                <a:lnTo>
+                  <a:pt x="1123" y="3270"/>
+                </a:lnTo>
+                <a:lnTo>
+                  <a:pt x="1123" y="3270"/>
+                </a:lnTo>
+                <a:lnTo>
+                  <a:pt x="1127" y="3272"/>
+                </a:lnTo>
+                <a:lnTo>
+                  <a:pt x="1133" y="3275"/>
+                </a:lnTo>
+                <a:lnTo>
+                  <a:pt x="1139" y="3278"/>
+                </a:lnTo>
+                <a:lnTo>
+                  <a:pt x="1144" y="3278"/>
+                </a:lnTo>
+                <a:lnTo>
+                  <a:pt x="1150" y="3278"/>
+                </a:lnTo>
+                <a:lnTo>
+                  <a:pt x="1155" y="3275"/>
+                </a:lnTo>
+                <a:lnTo>
+                  <a:pt x="1161" y="3272"/>
+                </a:lnTo>
+                <a:lnTo>
+                  <a:pt x="1165" y="3270"/>
+                </a:lnTo>
+                <a:lnTo>
+                  <a:pt x="1345" y="3090"/>
+                </a:lnTo>
+                <a:lnTo>
+                  <a:pt x="5760" y="3090"/>
+                </a:lnTo>
+                <a:lnTo>
+                  <a:pt x="5760" y="0"/>
+                </a:lnTo>
+                <a:close/>
+              </a:path>
+            </a:pathLst>
+          </a:custGeom>
+          <a:ln/>
+          <a:effectLst/>
+          <a:extLst>
+            <a:ext uri="{91240B29-F687-4f45-9708-019B960494DF}">
+              <a14:hiddenLine xmlns="" xmlns:a14="http://schemas.microsoft.com/office/drawing/2010/main" xmlns:a16="http://schemas.microsoft.com/office/drawing/2014/main" w="9525">
+                <a:solidFill>
+                  <a:srgbClr val="000000"/>
+                </a:solidFill>
+                <a:round/>
+                <a:headEnd/>
+                <a:tailEnd/>
+              </a14:hiddenLine>
+            </a:ext>
+          </a:extLst>
+        </p:spPr>
+        <p:style>
+          <a:lnRef idx="1">
+            <a:schemeClr val="accent1"/>
+          </a:lnRef>
+          <a:fillRef idx="3">
+            <a:schemeClr val="accent1"/>
+          </a:fillRef>
+          <a:effectRef idx="2">
+            <a:schemeClr val="accent1"/>
+          </a:effectRef>
+          <a:fontRef idx="minor">
+            <a:schemeClr val="lt1"/>
+          </a:fontRef>
+        </p:style>
+      </p:sp>
+      <p:sp useBgFill="1">
+        <p:nvSpPr>
+          <p:cNvPr id="20" name="Rectangle 19">
+            <a:extLst>
+              <a:ext uri="{FF2B5EF4-FFF2-40B4-BE49-F238E27FC236}">
+                <a16:creationId xmlns:a16="http://schemas.microsoft.com/office/drawing/2014/main" id="{21DCC7BA-3740-47E1-91B9-6269381397AE}"/>
+              </a:ext>
+              <a:ext uri="{C183D7F6-B498-43B3-948B-1728B52AA6E4}">
+                <adec:decorative xmlns:adec="http://schemas.microsoft.com/office/drawing/2017/decorative" val="1"/>
+              </a:ext>
+            </a:extLst>
+          </p:cNvPr>
+          <p:cNvSpPr>
+            <a:spLocks noGrp="1" noRot="1" noChangeAspect="1" noMove="1" noResize="1" noEditPoints="1" noAdjustHandles="1" noChangeArrowheads="1" noChangeShapeType="1" noTextEdit="1"/>
+          </p:cNvSpPr>
+          <p:nvPr>
+            <p:extLst>
+              <p:ext uri="{386F3935-93C4-4BCD-93E2-E3B085C9AB24}">
+                <p16:designElem xmlns:p16="http://schemas.microsoft.com/office/powerpoint/2015/main" val="1"/>
+              </p:ext>
+            </p:extLst>
+          </p:nvPr>
+        </p:nvSpPr>
+        <p:spPr>
+          <a:xfrm>
+            <a:off x="0" y="0"/>
+            <a:ext cx="12192000" cy="6858000"/>
+          </a:xfrm>
+          <a:prstGeom prst="rect">
+            <a:avLst/>
+          </a:prstGeom>
+          <a:ln>
+            <a:noFill/>
+          </a:ln>
+        </p:spPr>
+        <p:style>
+          <a:lnRef idx="2">
+            <a:schemeClr val="accent1">
+              <a:shade val="50000"/>
+            </a:schemeClr>
+          </a:lnRef>
+          <a:fillRef idx="1">
+            <a:schemeClr val="accent1"/>
+          </a:fillRef>
+          <a:effectRef idx="0">
+            <a:schemeClr val="accent1"/>
+          </a:effectRef>
+          <a:fontRef idx="minor">
+            <a:schemeClr val="lt1"/>
+          </a:fontRef>
+        </p:style>
+        <p:txBody>
+          <a:bodyPr rtlCol="0" anchor="ctr"/>
+          <a:lstStyle/>
+          <a:p>
+            <a:pPr algn="ctr"/>
+            <a:endParaRPr lang="en-US"/>
+          </a:p>
+        </p:txBody>
+      </p:sp>
+      <p:sp>
+        <p:nvSpPr>
+          <p:cNvPr id="22" name="Freeform: Shape 21">
+            <a:extLst>
+              <a:ext uri="{FF2B5EF4-FFF2-40B4-BE49-F238E27FC236}">
+                <a16:creationId xmlns:a16="http://schemas.microsoft.com/office/drawing/2014/main" id="{84CEFA49-6B2F-4FE6-B6AF-31D49E68C23B}"/>
+              </a:ext>
+              <a:ext uri="{C183D7F6-B498-43B3-948B-1728B52AA6E4}">
+                <adec:decorative xmlns:adec="http://schemas.microsoft.com/office/drawing/2017/decorative" val="1"/>
+              </a:ext>
+            </a:extLst>
+          </p:cNvPr>
+          <p:cNvSpPr>
+            <a:spLocks noGrp="1" noRot="1" noChangeAspect="1" noMove="1" noResize="1" noEditPoints="1" noAdjustHandles="1" noChangeArrowheads="1" noChangeShapeType="1" noTextEdit="1"/>
+          </p:cNvSpPr>
+          <p:nvPr>
+            <p:extLst>
+              <p:ext uri="{386F3935-93C4-4BCD-93E2-E3B085C9AB24}">
+                <p16:designElem xmlns:p16="http://schemas.microsoft.com/office/powerpoint/2015/main" val="1"/>
+              </p:ext>
+            </p:extLst>
+          </p:nvPr>
+        </p:nvSpPr>
+        <p:spPr bwMode="auto">
+          <a:xfrm rot="16200000">
+            <a:off x="-40086" y="40084"/>
+            <a:ext cx="6858002" cy="6777832"/>
+          </a:xfrm>
+          <a:custGeom>
+            <a:avLst/>
+            <a:gdLst>
+              <a:gd name="connsiteX0" fmla="*/ 6858001 w 6858002"/>
+              <a:gd name="connsiteY0" fmla="*/ 4666984 h 6777832"/>
+              <a:gd name="connsiteX1" fmla="*/ 3829243 w 6858002"/>
+              <a:gd name="connsiteY1" fmla="*/ 6654602 h 6777832"/>
+              <a:gd name="connsiteX2" fmla="*/ 3827370 w 6858002"/>
+              <a:gd name="connsiteY2" fmla="*/ 6656146 h 6777832"/>
+              <a:gd name="connsiteX3" fmla="*/ 3824584 w 6858002"/>
+              <a:gd name="connsiteY3" fmla="*/ 6657658 h 6777832"/>
+              <a:gd name="connsiteX4" fmla="*/ 3798694 w 6858002"/>
+              <a:gd name="connsiteY4" fmla="*/ 6674649 h 6777832"/>
+              <a:gd name="connsiteX5" fmla="*/ 3785012 w 6858002"/>
+              <a:gd name="connsiteY5" fmla="*/ 6679138 h 6777832"/>
+              <a:gd name="connsiteX6" fmla="*/ 3706340 w 6858002"/>
+              <a:gd name="connsiteY6" fmla="*/ 6721839 h 6777832"/>
+              <a:gd name="connsiteX7" fmla="*/ 3428999 w 6858002"/>
+              <a:gd name="connsiteY7" fmla="*/ 6777832 h 6777832"/>
+              <a:gd name="connsiteX8" fmla="*/ 3151659 w 6858002"/>
+              <a:gd name="connsiteY8" fmla="*/ 6721839 h 6777832"/>
+              <a:gd name="connsiteX9" fmla="*/ 3072997 w 6858002"/>
+              <a:gd name="connsiteY9" fmla="*/ 6679143 h 6777832"/>
+              <a:gd name="connsiteX10" fmla="*/ 3059299 w 6858002"/>
+              <a:gd name="connsiteY10" fmla="*/ 6674649 h 6777832"/>
+              <a:gd name="connsiteX11" fmla="*/ 3033384 w 6858002"/>
+              <a:gd name="connsiteY11" fmla="*/ 6657642 h 6777832"/>
+              <a:gd name="connsiteX12" fmla="*/ 3030628 w 6858002"/>
+              <a:gd name="connsiteY12" fmla="*/ 6656146 h 6777832"/>
+              <a:gd name="connsiteX13" fmla="*/ 3028776 w 6858002"/>
+              <a:gd name="connsiteY13" fmla="*/ 6654618 h 6777832"/>
+              <a:gd name="connsiteX14" fmla="*/ 1 w 6858002"/>
+              <a:gd name="connsiteY14" fmla="*/ 4666984 h 6777832"/>
+              <a:gd name="connsiteX15" fmla="*/ 6858002 w 6858002"/>
+              <a:gd name="connsiteY15" fmla="*/ 0 h 6777832"/>
+              <a:gd name="connsiteX16" fmla="*/ 6858002 w 6858002"/>
+              <a:gd name="connsiteY16" fmla="*/ 1570616 h 6777832"/>
+              <a:gd name="connsiteX17" fmla="*/ 6858001 w 6858002"/>
+              <a:gd name="connsiteY17" fmla="*/ 1570616 h 6777832"/>
+              <a:gd name="connsiteX18" fmla="*/ 6858001 w 6858002"/>
+              <a:gd name="connsiteY18" fmla="*/ 4666983 h 6777832"/>
+              <a:gd name="connsiteX19" fmla="*/ 0 w 6858002"/>
+              <a:gd name="connsiteY19" fmla="*/ 4666983 h 6777832"/>
+              <a:gd name="connsiteX20" fmla="*/ 0 w 6858002"/>
+              <a:gd name="connsiteY20" fmla="*/ 595217 h 6777832"/>
+              <a:gd name="connsiteX21" fmla="*/ 1 w 6858002"/>
+              <a:gd name="connsiteY21" fmla="*/ 595217 h 6777832"/>
+              <a:gd name="connsiteX22" fmla="*/ 1 w 6858002"/>
+              <a:gd name="connsiteY22" fmla="*/ 0 h 6777832"/>
+            </a:gdLst>
+            <a:ahLst/>
+            <a:cxnLst>
+              <a:cxn ang="0">
+                <a:pos x="connsiteX0" y="connsiteY0"/>
+              </a:cxn>
+              <a:cxn ang="0">
+                <a:pos x="connsiteX1" y="connsiteY1"/>
+              </a:cxn>
+              <a:cxn ang="0">
+                <a:pos x="connsiteX2" y="connsiteY2"/>
+              </a:cxn>
+              <a:cxn ang="0">
+                <a:pos x="connsiteX3" y="connsiteY3"/>
+              </a:cxn>
+              <a:cxn ang="0">
+                <a:pos x="connsiteX4" y="connsiteY4"/>
+              </a:cxn>
+              <a:cxn ang="0">
+                <a:pos x="connsiteX5" y="connsiteY5"/>
+              </a:cxn>
+              <a:cxn ang="0">
+                <a:pos x="connsiteX6" y="connsiteY6"/>
+              </a:cxn>
+              <a:cxn ang="0">
+                <a:pos x="connsiteX7" y="connsiteY7"/>
+              </a:cxn>
+              <a:cxn ang="0">
+                <a:pos x="connsiteX8" y="connsiteY8"/>
+              </a:cxn>
+              <a:cxn ang="0">
+                <a:pos x="connsiteX9" y="connsiteY9"/>
+              </a:cxn>
+              <a:cxn ang="0">
+                <a:pos x="connsiteX10" y="connsiteY10"/>
+              </a:cxn>
+              <a:cxn ang="0">
+                <a:pos x="connsiteX11" y="connsiteY11"/>
+              </a:cxn>
+              <a:cxn ang="0">
+                <a:pos x="connsiteX12" y="connsiteY12"/>
+              </a:cxn>
+              <a:cxn ang="0">
+                <a:pos x="connsiteX13" y="connsiteY13"/>
+              </a:cxn>
+              <a:cxn ang="0">
+                <a:pos x="connsiteX14" y="connsiteY14"/>
+              </a:cxn>
+              <a:cxn ang="0">
+                <a:pos x="connsiteX15" y="connsiteY15"/>
+              </a:cxn>
+              <a:cxn ang="0">
+                <a:pos x="connsiteX16" y="connsiteY16"/>
+              </a:cxn>
+              <a:cxn ang="0">
+                <a:pos x="connsiteX17" y="connsiteY17"/>
+              </a:cxn>
+              <a:cxn ang="0">
+                <a:pos x="connsiteX18" y="connsiteY18"/>
+              </a:cxn>
+              <a:cxn ang="0">
+                <a:pos x="connsiteX19" y="connsiteY19"/>
+              </a:cxn>
+              <a:cxn ang="0">
+                <a:pos x="connsiteX20" y="connsiteY20"/>
+              </a:cxn>
+              <a:cxn ang="0">
+                <a:pos x="connsiteX21" y="connsiteY21"/>
+              </a:cxn>
+              <a:cxn ang="0">
+                <a:pos x="connsiteX22" y="connsiteY22"/>
+              </a:cxn>
+            </a:cxnLst>
+            <a:rect l="l" t="t" r="r" b="b"/>
+            <a:pathLst>
+              <a:path w="6858002" h="6777832">
+                <a:moveTo>
+                  <a:pt x="6858001" y="4666984"/>
+                </a:moveTo>
+                <a:lnTo>
+                  <a:pt x="3829243" y="6654602"/>
+                </a:lnTo>
+                <a:lnTo>
+                  <a:pt x="3827370" y="6656146"/>
+                </a:lnTo>
+                <a:lnTo>
+                  <a:pt x="3824584" y="6657658"/>
+                </a:lnTo>
+                <a:lnTo>
+                  <a:pt x="3798694" y="6674649"/>
+                </a:lnTo>
+                <a:lnTo>
+                  <a:pt x="3785012" y="6679138"/>
+                </a:lnTo>
+                <a:lnTo>
+                  <a:pt x="3706340" y="6721839"/>
+                </a:lnTo>
+                <a:cubicBezTo>
+                  <a:pt x="3621097" y="6757894"/>
+                  <a:pt x="3527376" y="6777832"/>
+                  <a:pt x="3428999" y="6777832"/>
+                </a:cubicBezTo>
+                <a:cubicBezTo>
+                  <a:pt x="3330622" y="6777832"/>
+                  <a:pt x="3236902" y="6757894"/>
+                  <a:pt x="3151659" y="6721839"/>
+                </a:cubicBezTo>
+                <a:lnTo>
+                  <a:pt x="3072997" y="6679143"/>
+                </a:lnTo>
+                <a:lnTo>
+                  <a:pt x="3059299" y="6674649"/>
+                </a:lnTo>
+                <a:lnTo>
+                  <a:pt x="3033384" y="6657642"/>
+                </a:lnTo>
+                <a:lnTo>
+                  <a:pt x="3030628" y="6656146"/>
+                </a:lnTo>
+                <a:lnTo>
+                  <a:pt x="3028776" y="6654618"/>
+                </a:lnTo>
+                <a:lnTo>
+                  <a:pt x="1" y="4666984"/>
+                </a:lnTo>
+                <a:close/>
+                <a:moveTo>
+                  <a:pt x="6858002" y="0"/>
+                </a:moveTo>
+                <a:lnTo>
+                  <a:pt x="6858002" y="1570616"/>
+                </a:lnTo>
+                <a:lnTo>
+                  <a:pt x="6858001" y="1570616"/>
+                </a:lnTo>
+                <a:lnTo>
+                  <a:pt x="6858001" y="4666983"/>
+                </a:lnTo>
+                <a:lnTo>
+                  <a:pt x="0" y="4666983"/>
+                </a:lnTo>
+                <a:lnTo>
+                  <a:pt x="0" y="595217"/>
+                </a:lnTo>
+                <a:lnTo>
+                  <a:pt x="1" y="595217"/>
+                </a:lnTo>
+                <a:lnTo>
+                  <a:pt x="1" y="0"/>
+                </a:lnTo>
+                <a:close/>
+              </a:path>
+            </a:pathLst>
+          </a:custGeom>
+          <a:ln>
+            <a:noFill/>
+          </a:ln>
+          <a:effectLst/>
+          <a:extLst>
+            <a:ext uri="{91240B29-F687-4f45-9708-019B960494DF}">
+              <a14:hiddenLine xmlns="" xmlns:a14="http://schemas.microsoft.com/office/drawing/2010/main" xmlns:p14="http://schemas.microsoft.com/office/powerpoint/2010/main" xmlns:a16="http://schemas.microsoft.com/office/drawing/2014/main" w="9525">
+                <a:solidFill>
+                  <a:srgbClr val="000000"/>
+                </a:solidFill>
+                <a:round/>
+                <a:headEnd/>
+                <a:tailEnd/>
+              </a14:hiddenLine>
+            </a:ext>
+          </a:extLst>
+        </p:spPr>
+        <p:style>
+          <a:lnRef idx="1">
+            <a:schemeClr val="accent1"/>
+          </a:lnRef>
+          <a:fillRef idx="3">
+            <a:schemeClr val="accent1"/>
+          </a:fillRef>
+          <a:effectRef idx="2">
+            <a:schemeClr val="accent1"/>
+          </a:effectRef>
+          <a:fontRef idx="minor">
+            <a:schemeClr val="lt1"/>
+          </a:fontRef>
+        </p:style>
+      </p:sp>
+      <p:sp>
+        <p:nvSpPr>
           <p:cNvPr id="4" name="Titre 3">
             <a:extLst>
               <a:ext uri="{FF2B5EF4-FFF2-40B4-BE49-F238E27FC236}">
@@ -9906,15 +11754,83 @@
             <p:ph type="title"/>
           </p:nvPr>
         </p:nvSpPr>
-        <p:spPr/>
+        <p:spPr>
+          <a:xfrm>
+            <a:off x="451514" y="947607"/>
+            <a:ext cx="4389427" cy="4962786"/>
+          </a:xfrm>
+        </p:spPr>
         <p:txBody>
-          <a:bodyPr/>
+          <a:bodyPr vert="horz" lIns="91440" tIns="45720" rIns="91440" bIns="45720" rtlCol="0" anchor="ctr">
+            <a:normAutofit/>
+          </a:bodyPr>
           <a:lstStyle/>
           <a:p>
+            <a:pPr algn="l"/>
             <a:r>
-              <a:rPr lang="fr-FR" dirty="0"/>
+              <a:rPr lang="en-US" sz="5400"/>
               <a:t>Présentation</a:t>
             </a:r>
+          </a:p>
+        </p:txBody>
+      </p:sp>
+      <p:sp>
+        <p:nvSpPr>
+          <p:cNvPr id="2" name="Espace réservé du numéro de diapositive 1">
+            <a:extLst>
+              <a:ext uri="{FF2B5EF4-FFF2-40B4-BE49-F238E27FC236}">
+                <a16:creationId xmlns:a16="http://schemas.microsoft.com/office/drawing/2014/main" id="{7E19CDF4-AFA2-46AE-9530-26DC4D829604}"/>
+              </a:ext>
+            </a:extLst>
+          </p:cNvPr>
+          <p:cNvSpPr>
+            <a:spLocks noGrp="1"/>
+          </p:cNvSpPr>
+          <p:nvPr>
+            <p:ph type="sldNum" sz="quarter" idx="12"/>
+          </p:nvPr>
+        </p:nvSpPr>
+        <p:spPr>
+          <a:xfrm>
+            <a:off x="10678331" y="5915888"/>
+            <a:ext cx="1062155" cy="490599"/>
+          </a:xfrm>
+        </p:spPr>
+        <p:txBody>
+          <a:bodyPr vert="horz" lIns="91440" tIns="45720" rIns="91440" bIns="10800" rtlCol="0" anchor="b">
+            <a:normAutofit/>
+          </a:bodyPr>
+          <a:lstStyle/>
+          <a:p>
+            <a:pPr>
+              <a:spcAft>
+                <a:spcPts val="600"/>
+              </a:spcAft>
+            </a:pPr>
+            <a:fld id="{D57F1E4F-1CFF-5643-939E-217C01CDF565}" type="slidenum">
+              <a:rPr lang="en-US" kern="1200" dirty="0">
+                <a:solidFill>
+                  <a:schemeClr val="accent1"/>
+                </a:solidFill>
+                <a:latin typeface="+mn-lt"/>
+                <a:ea typeface="+mn-ea"/>
+                <a:cs typeface="+mn-cs"/>
+              </a:rPr>
+              <a:pPr>
+                <a:spcAft>
+                  <a:spcPts val="600"/>
+                </a:spcAft>
+              </a:pPr>
+              <a:t>3</a:t>
+            </a:fld>
+            <a:endParaRPr lang="en-US" kern="1200" dirty="0">
+              <a:solidFill>
+                <a:schemeClr val="accent1"/>
+              </a:solidFill>
+              <a:latin typeface="+mn-lt"/>
+              <a:ea typeface="+mn-ea"/>
+              <a:cs typeface="+mn-cs"/>
+            </a:endParaRPr>
           </a:p>
         </p:txBody>
       </p:sp>
@@ -10001,6 +11917,36 @@
           </a:p>
         </p:txBody>
       </p:sp>
+      <p:sp>
+        <p:nvSpPr>
+          <p:cNvPr id="4" name="Espace réservé du numéro de diapositive 3">
+            <a:extLst>
+              <a:ext uri="{FF2B5EF4-FFF2-40B4-BE49-F238E27FC236}">
+                <a16:creationId xmlns:a16="http://schemas.microsoft.com/office/drawing/2014/main" id="{420E2B36-6CC8-41D0-B161-22DB81141508}"/>
+              </a:ext>
+            </a:extLst>
+          </p:cNvPr>
+          <p:cNvSpPr>
+            <a:spLocks noGrp="1"/>
+          </p:cNvSpPr>
+          <p:nvPr>
+            <p:ph type="sldNum" sz="quarter" idx="12"/>
+          </p:nvPr>
+        </p:nvSpPr>
+        <p:spPr/>
+        <p:txBody>
+          <a:bodyPr/>
+          <a:lstStyle/>
+          <a:p>
+            <a:fld id="{D57F1E4F-1CFF-5643-939E-217C01CDF565}" type="slidenum">
+              <a:rPr lang="en-US" smtClean="0"/>
+              <a:pPr/>
+              <a:t>4</a:t>
+            </a:fld>
+            <a:endParaRPr lang="en-US" dirty="0"/>
+          </a:p>
+        </p:txBody>
+      </p:sp>
     </p:spTree>
     <p:extLst>
       <p:ext uri="{BB962C8B-B14F-4D97-AF65-F5344CB8AC3E}">
@@ -10087,6 +12033,36 @@
           </a:graphicData>
         </a:graphic>
       </p:graphicFrame>
+      <p:sp>
+        <p:nvSpPr>
+          <p:cNvPr id="3" name="Espace réservé du numéro de diapositive 2">
+            <a:extLst>
+              <a:ext uri="{FF2B5EF4-FFF2-40B4-BE49-F238E27FC236}">
+                <a16:creationId xmlns:a16="http://schemas.microsoft.com/office/drawing/2014/main" id="{DE2A7798-86DC-4A85-BEF0-FF368598F0F9}"/>
+              </a:ext>
+            </a:extLst>
+          </p:cNvPr>
+          <p:cNvSpPr>
+            <a:spLocks noGrp="1"/>
+          </p:cNvSpPr>
+          <p:nvPr>
+            <p:ph type="sldNum" sz="quarter" idx="12"/>
+          </p:nvPr>
+        </p:nvSpPr>
+        <p:spPr/>
+        <p:txBody>
+          <a:bodyPr/>
+          <a:lstStyle/>
+          <a:p>
+            <a:fld id="{D57F1E4F-1CFF-5643-939E-217C01CDF565}" type="slidenum">
+              <a:rPr lang="en-US" smtClean="0"/>
+              <a:pPr/>
+              <a:t>5</a:t>
+            </a:fld>
+            <a:endParaRPr lang="en-US" dirty="0"/>
+          </a:p>
+        </p:txBody>
+      </p:sp>
     </p:spTree>
     <p:extLst>
       <p:ext uri="{BB962C8B-B14F-4D97-AF65-F5344CB8AC3E}">
@@ -10103,6 +12079,14 @@
 <file path=ppt/slides/slide6.xml><?xml version="1.0" encoding="utf-8"?>
 <p:sld xmlns:a="http://schemas.openxmlformats.org/drawingml/2006/main" xmlns:r="http://schemas.openxmlformats.org/officeDocument/2006/relationships" xmlns:p="http://schemas.openxmlformats.org/presentationml/2006/main">
   <p:cSld>
+    <p:bg>
+      <p:bgPr>
+        <a:solidFill>
+          <a:schemeClr val="bg2"/>
+        </a:solidFill>
+        <a:effectLst/>
+      </p:bgPr>
+    </p:bg>
     <p:spTree>
       <p:nvGrpSpPr>
         <p:cNvPr id="1" name=""/>
@@ -10119,6 +12103,450 @@
       </p:grpSpPr>
       <p:sp>
         <p:nvSpPr>
+          <p:cNvPr id="18" name="Freeform 6">
+            <a:extLst>
+              <a:ext uri="{FF2B5EF4-FFF2-40B4-BE49-F238E27FC236}">
+                <a16:creationId xmlns:a16="http://schemas.microsoft.com/office/drawing/2014/main" id="{8775F366-526C-4C42-8931-696FFE8AA517}"/>
+              </a:ext>
+              <a:ext uri="{C183D7F6-B498-43B3-948B-1728B52AA6E4}">
+                <adec:decorative xmlns:adec="http://schemas.microsoft.com/office/drawing/2017/decorative" val="1"/>
+              </a:ext>
+            </a:extLst>
+          </p:cNvPr>
+          <p:cNvSpPr>
+            <a:spLocks noGrp="1" noRot="1" noChangeAspect="1" noMove="1" noResize="1" noEditPoints="1" noAdjustHandles="1" noChangeArrowheads="1" noChangeShapeType="1" noTextEdit="1"/>
+          </p:cNvSpPr>
+          <p:nvPr>
+            <p:extLst>
+              <p:ext uri="{386F3935-93C4-4BCD-93E2-E3B085C9AB24}">
+                <p16:designElem xmlns:p16="http://schemas.microsoft.com/office/powerpoint/2015/main" val="1"/>
+              </p:ext>
+            </p:extLst>
+          </p:nvPr>
+        </p:nvSpPr>
+        <p:spPr bwMode="auto">
+          <a:xfrm>
+            <a:off x="0" y="-3175"/>
+            <a:ext cx="12192000" cy="5203825"/>
+          </a:xfrm>
+          <a:custGeom>
+            <a:avLst/>
+            <a:gdLst/>
+            <a:ahLst/>
+            <a:cxnLst/>
+            <a:rect l="0" t="0" r="r" b="b"/>
+            <a:pathLst>
+              <a:path w="5760" h="3278">
+                <a:moveTo>
+                  <a:pt x="5760" y="0"/>
+                </a:moveTo>
+                <a:lnTo>
+                  <a:pt x="0" y="0"/>
+                </a:lnTo>
+                <a:lnTo>
+                  <a:pt x="0" y="3090"/>
+                </a:lnTo>
+                <a:lnTo>
+                  <a:pt x="943" y="3090"/>
+                </a:lnTo>
+                <a:lnTo>
+                  <a:pt x="1123" y="3270"/>
+                </a:lnTo>
+                <a:lnTo>
+                  <a:pt x="1123" y="3270"/>
+                </a:lnTo>
+                <a:lnTo>
+                  <a:pt x="1127" y="3272"/>
+                </a:lnTo>
+                <a:lnTo>
+                  <a:pt x="1133" y="3275"/>
+                </a:lnTo>
+                <a:lnTo>
+                  <a:pt x="1139" y="3278"/>
+                </a:lnTo>
+                <a:lnTo>
+                  <a:pt x="1144" y="3278"/>
+                </a:lnTo>
+                <a:lnTo>
+                  <a:pt x="1150" y="3278"/>
+                </a:lnTo>
+                <a:lnTo>
+                  <a:pt x="1155" y="3275"/>
+                </a:lnTo>
+                <a:lnTo>
+                  <a:pt x="1161" y="3272"/>
+                </a:lnTo>
+                <a:lnTo>
+                  <a:pt x="1165" y="3270"/>
+                </a:lnTo>
+                <a:lnTo>
+                  <a:pt x="1345" y="3090"/>
+                </a:lnTo>
+                <a:lnTo>
+                  <a:pt x="5760" y="3090"/>
+                </a:lnTo>
+                <a:lnTo>
+                  <a:pt x="5760" y="0"/>
+                </a:lnTo>
+                <a:close/>
+              </a:path>
+            </a:pathLst>
+          </a:custGeom>
+          <a:ln/>
+          <a:effectLst/>
+          <a:extLst>
+            <a:ext uri="{91240B29-F687-4f45-9708-019B960494DF}">
+              <a14:hiddenLine xmlns="" xmlns:a14="http://schemas.microsoft.com/office/drawing/2010/main" xmlns:a16="http://schemas.microsoft.com/office/drawing/2014/main" w="9525">
+                <a:solidFill>
+                  <a:srgbClr val="000000"/>
+                </a:solidFill>
+                <a:round/>
+                <a:headEnd/>
+                <a:tailEnd/>
+              </a14:hiddenLine>
+            </a:ext>
+          </a:extLst>
+        </p:spPr>
+        <p:style>
+          <a:lnRef idx="1">
+            <a:schemeClr val="accent1"/>
+          </a:lnRef>
+          <a:fillRef idx="3">
+            <a:schemeClr val="accent1"/>
+          </a:fillRef>
+          <a:effectRef idx="2">
+            <a:schemeClr val="accent1"/>
+          </a:effectRef>
+          <a:fontRef idx="minor">
+            <a:schemeClr val="lt1"/>
+          </a:fontRef>
+        </p:style>
+      </p:sp>
+      <p:sp useBgFill="1">
+        <p:nvSpPr>
+          <p:cNvPr id="20" name="Rectangle 19">
+            <a:extLst>
+              <a:ext uri="{FF2B5EF4-FFF2-40B4-BE49-F238E27FC236}">
+                <a16:creationId xmlns:a16="http://schemas.microsoft.com/office/drawing/2014/main" id="{21DCC7BA-3740-47E1-91B9-6269381397AE}"/>
+              </a:ext>
+              <a:ext uri="{C183D7F6-B498-43B3-948B-1728B52AA6E4}">
+                <adec:decorative xmlns:adec="http://schemas.microsoft.com/office/drawing/2017/decorative" val="1"/>
+              </a:ext>
+            </a:extLst>
+          </p:cNvPr>
+          <p:cNvSpPr>
+            <a:spLocks noGrp="1" noRot="1" noChangeAspect="1" noMove="1" noResize="1" noEditPoints="1" noAdjustHandles="1" noChangeArrowheads="1" noChangeShapeType="1" noTextEdit="1"/>
+          </p:cNvSpPr>
+          <p:nvPr>
+            <p:extLst>
+              <p:ext uri="{386F3935-93C4-4BCD-93E2-E3B085C9AB24}">
+                <p16:designElem xmlns:p16="http://schemas.microsoft.com/office/powerpoint/2015/main" val="1"/>
+              </p:ext>
+            </p:extLst>
+          </p:nvPr>
+        </p:nvSpPr>
+        <p:spPr>
+          <a:xfrm>
+            <a:off x="0" y="0"/>
+            <a:ext cx="12192000" cy="6858000"/>
+          </a:xfrm>
+          <a:prstGeom prst="rect">
+            <a:avLst/>
+          </a:prstGeom>
+          <a:ln>
+            <a:noFill/>
+          </a:ln>
+        </p:spPr>
+        <p:style>
+          <a:lnRef idx="2">
+            <a:schemeClr val="accent1">
+              <a:shade val="50000"/>
+            </a:schemeClr>
+          </a:lnRef>
+          <a:fillRef idx="1">
+            <a:schemeClr val="accent1"/>
+          </a:fillRef>
+          <a:effectRef idx="0">
+            <a:schemeClr val="accent1"/>
+          </a:effectRef>
+          <a:fontRef idx="minor">
+            <a:schemeClr val="lt1"/>
+          </a:fontRef>
+        </p:style>
+        <p:txBody>
+          <a:bodyPr rtlCol="0" anchor="ctr"/>
+          <a:lstStyle/>
+          <a:p>
+            <a:pPr algn="ctr"/>
+            <a:endParaRPr lang="en-US"/>
+          </a:p>
+        </p:txBody>
+      </p:sp>
+      <p:sp>
+        <p:nvSpPr>
+          <p:cNvPr id="22" name="Freeform: Shape 21">
+            <a:extLst>
+              <a:ext uri="{FF2B5EF4-FFF2-40B4-BE49-F238E27FC236}">
+                <a16:creationId xmlns:a16="http://schemas.microsoft.com/office/drawing/2014/main" id="{84CEFA49-6B2F-4FE6-B6AF-31D49E68C23B}"/>
+              </a:ext>
+              <a:ext uri="{C183D7F6-B498-43B3-948B-1728B52AA6E4}">
+                <adec:decorative xmlns:adec="http://schemas.microsoft.com/office/drawing/2017/decorative" val="1"/>
+              </a:ext>
+            </a:extLst>
+          </p:cNvPr>
+          <p:cNvSpPr>
+            <a:spLocks noGrp="1" noRot="1" noChangeAspect="1" noMove="1" noResize="1" noEditPoints="1" noAdjustHandles="1" noChangeArrowheads="1" noChangeShapeType="1" noTextEdit="1"/>
+          </p:cNvSpPr>
+          <p:nvPr>
+            <p:extLst>
+              <p:ext uri="{386F3935-93C4-4BCD-93E2-E3B085C9AB24}">
+                <p16:designElem xmlns:p16="http://schemas.microsoft.com/office/powerpoint/2015/main" val="1"/>
+              </p:ext>
+            </p:extLst>
+          </p:nvPr>
+        </p:nvSpPr>
+        <p:spPr bwMode="auto">
+          <a:xfrm rot="16200000">
+            <a:off x="-40086" y="40084"/>
+            <a:ext cx="6858002" cy="6777832"/>
+          </a:xfrm>
+          <a:custGeom>
+            <a:avLst/>
+            <a:gdLst>
+              <a:gd name="connsiteX0" fmla="*/ 6858001 w 6858002"/>
+              <a:gd name="connsiteY0" fmla="*/ 4666984 h 6777832"/>
+              <a:gd name="connsiteX1" fmla="*/ 3829243 w 6858002"/>
+              <a:gd name="connsiteY1" fmla="*/ 6654602 h 6777832"/>
+              <a:gd name="connsiteX2" fmla="*/ 3827370 w 6858002"/>
+              <a:gd name="connsiteY2" fmla="*/ 6656146 h 6777832"/>
+              <a:gd name="connsiteX3" fmla="*/ 3824584 w 6858002"/>
+              <a:gd name="connsiteY3" fmla="*/ 6657658 h 6777832"/>
+              <a:gd name="connsiteX4" fmla="*/ 3798694 w 6858002"/>
+              <a:gd name="connsiteY4" fmla="*/ 6674649 h 6777832"/>
+              <a:gd name="connsiteX5" fmla="*/ 3785012 w 6858002"/>
+              <a:gd name="connsiteY5" fmla="*/ 6679138 h 6777832"/>
+              <a:gd name="connsiteX6" fmla="*/ 3706340 w 6858002"/>
+              <a:gd name="connsiteY6" fmla="*/ 6721839 h 6777832"/>
+              <a:gd name="connsiteX7" fmla="*/ 3428999 w 6858002"/>
+              <a:gd name="connsiteY7" fmla="*/ 6777832 h 6777832"/>
+              <a:gd name="connsiteX8" fmla="*/ 3151659 w 6858002"/>
+              <a:gd name="connsiteY8" fmla="*/ 6721839 h 6777832"/>
+              <a:gd name="connsiteX9" fmla="*/ 3072997 w 6858002"/>
+              <a:gd name="connsiteY9" fmla="*/ 6679143 h 6777832"/>
+              <a:gd name="connsiteX10" fmla="*/ 3059299 w 6858002"/>
+              <a:gd name="connsiteY10" fmla="*/ 6674649 h 6777832"/>
+              <a:gd name="connsiteX11" fmla="*/ 3033384 w 6858002"/>
+              <a:gd name="connsiteY11" fmla="*/ 6657642 h 6777832"/>
+              <a:gd name="connsiteX12" fmla="*/ 3030628 w 6858002"/>
+              <a:gd name="connsiteY12" fmla="*/ 6656146 h 6777832"/>
+              <a:gd name="connsiteX13" fmla="*/ 3028776 w 6858002"/>
+              <a:gd name="connsiteY13" fmla="*/ 6654618 h 6777832"/>
+              <a:gd name="connsiteX14" fmla="*/ 1 w 6858002"/>
+              <a:gd name="connsiteY14" fmla="*/ 4666984 h 6777832"/>
+              <a:gd name="connsiteX15" fmla="*/ 6858002 w 6858002"/>
+              <a:gd name="connsiteY15" fmla="*/ 0 h 6777832"/>
+              <a:gd name="connsiteX16" fmla="*/ 6858002 w 6858002"/>
+              <a:gd name="connsiteY16" fmla="*/ 1570616 h 6777832"/>
+              <a:gd name="connsiteX17" fmla="*/ 6858001 w 6858002"/>
+              <a:gd name="connsiteY17" fmla="*/ 1570616 h 6777832"/>
+              <a:gd name="connsiteX18" fmla="*/ 6858001 w 6858002"/>
+              <a:gd name="connsiteY18" fmla="*/ 4666983 h 6777832"/>
+              <a:gd name="connsiteX19" fmla="*/ 0 w 6858002"/>
+              <a:gd name="connsiteY19" fmla="*/ 4666983 h 6777832"/>
+              <a:gd name="connsiteX20" fmla="*/ 0 w 6858002"/>
+              <a:gd name="connsiteY20" fmla="*/ 595217 h 6777832"/>
+              <a:gd name="connsiteX21" fmla="*/ 1 w 6858002"/>
+              <a:gd name="connsiteY21" fmla="*/ 595217 h 6777832"/>
+              <a:gd name="connsiteX22" fmla="*/ 1 w 6858002"/>
+              <a:gd name="connsiteY22" fmla="*/ 0 h 6777832"/>
+            </a:gdLst>
+            <a:ahLst/>
+            <a:cxnLst>
+              <a:cxn ang="0">
+                <a:pos x="connsiteX0" y="connsiteY0"/>
+              </a:cxn>
+              <a:cxn ang="0">
+                <a:pos x="connsiteX1" y="connsiteY1"/>
+              </a:cxn>
+              <a:cxn ang="0">
+                <a:pos x="connsiteX2" y="connsiteY2"/>
+              </a:cxn>
+              <a:cxn ang="0">
+                <a:pos x="connsiteX3" y="connsiteY3"/>
+              </a:cxn>
+              <a:cxn ang="0">
+                <a:pos x="connsiteX4" y="connsiteY4"/>
+              </a:cxn>
+              <a:cxn ang="0">
+                <a:pos x="connsiteX5" y="connsiteY5"/>
+              </a:cxn>
+              <a:cxn ang="0">
+                <a:pos x="connsiteX6" y="connsiteY6"/>
+              </a:cxn>
+              <a:cxn ang="0">
+                <a:pos x="connsiteX7" y="connsiteY7"/>
+              </a:cxn>
+              <a:cxn ang="0">
+                <a:pos x="connsiteX8" y="connsiteY8"/>
+              </a:cxn>
+              <a:cxn ang="0">
+                <a:pos x="connsiteX9" y="connsiteY9"/>
+              </a:cxn>
+              <a:cxn ang="0">
+                <a:pos x="connsiteX10" y="connsiteY10"/>
+              </a:cxn>
+              <a:cxn ang="0">
+                <a:pos x="connsiteX11" y="connsiteY11"/>
+              </a:cxn>
+              <a:cxn ang="0">
+                <a:pos x="connsiteX12" y="connsiteY12"/>
+              </a:cxn>
+              <a:cxn ang="0">
+                <a:pos x="connsiteX13" y="connsiteY13"/>
+              </a:cxn>
+              <a:cxn ang="0">
+                <a:pos x="connsiteX14" y="connsiteY14"/>
+              </a:cxn>
+              <a:cxn ang="0">
+                <a:pos x="connsiteX15" y="connsiteY15"/>
+              </a:cxn>
+              <a:cxn ang="0">
+                <a:pos x="connsiteX16" y="connsiteY16"/>
+              </a:cxn>
+              <a:cxn ang="0">
+                <a:pos x="connsiteX17" y="connsiteY17"/>
+              </a:cxn>
+              <a:cxn ang="0">
+                <a:pos x="connsiteX18" y="connsiteY18"/>
+              </a:cxn>
+              <a:cxn ang="0">
+                <a:pos x="connsiteX19" y="connsiteY19"/>
+              </a:cxn>
+              <a:cxn ang="0">
+                <a:pos x="connsiteX20" y="connsiteY20"/>
+              </a:cxn>
+              <a:cxn ang="0">
+                <a:pos x="connsiteX21" y="connsiteY21"/>
+              </a:cxn>
+              <a:cxn ang="0">
+                <a:pos x="connsiteX22" y="connsiteY22"/>
+              </a:cxn>
+            </a:cxnLst>
+            <a:rect l="l" t="t" r="r" b="b"/>
+            <a:pathLst>
+              <a:path w="6858002" h="6777832">
+                <a:moveTo>
+                  <a:pt x="6858001" y="4666984"/>
+                </a:moveTo>
+                <a:lnTo>
+                  <a:pt x="3829243" y="6654602"/>
+                </a:lnTo>
+                <a:lnTo>
+                  <a:pt x="3827370" y="6656146"/>
+                </a:lnTo>
+                <a:lnTo>
+                  <a:pt x="3824584" y="6657658"/>
+                </a:lnTo>
+                <a:lnTo>
+                  <a:pt x="3798694" y="6674649"/>
+                </a:lnTo>
+                <a:lnTo>
+                  <a:pt x="3785012" y="6679138"/>
+                </a:lnTo>
+                <a:lnTo>
+                  <a:pt x="3706340" y="6721839"/>
+                </a:lnTo>
+                <a:cubicBezTo>
+                  <a:pt x="3621097" y="6757894"/>
+                  <a:pt x="3527376" y="6777832"/>
+                  <a:pt x="3428999" y="6777832"/>
+                </a:cubicBezTo>
+                <a:cubicBezTo>
+                  <a:pt x="3330622" y="6777832"/>
+                  <a:pt x="3236902" y="6757894"/>
+                  <a:pt x="3151659" y="6721839"/>
+                </a:cubicBezTo>
+                <a:lnTo>
+                  <a:pt x="3072997" y="6679143"/>
+                </a:lnTo>
+                <a:lnTo>
+                  <a:pt x="3059299" y="6674649"/>
+                </a:lnTo>
+                <a:lnTo>
+                  <a:pt x="3033384" y="6657642"/>
+                </a:lnTo>
+                <a:lnTo>
+                  <a:pt x="3030628" y="6656146"/>
+                </a:lnTo>
+                <a:lnTo>
+                  <a:pt x="3028776" y="6654618"/>
+                </a:lnTo>
+                <a:lnTo>
+                  <a:pt x="1" y="4666984"/>
+                </a:lnTo>
+                <a:close/>
+                <a:moveTo>
+                  <a:pt x="6858002" y="0"/>
+                </a:moveTo>
+                <a:lnTo>
+                  <a:pt x="6858002" y="1570616"/>
+                </a:lnTo>
+                <a:lnTo>
+                  <a:pt x="6858001" y="1570616"/>
+                </a:lnTo>
+                <a:lnTo>
+                  <a:pt x="6858001" y="4666983"/>
+                </a:lnTo>
+                <a:lnTo>
+                  <a:pt x="0" y="4666983"/>
+                </a:lnTo>
+                <a:lnTo>
+                  <a:pt x="0" y="595217"/>
+                </a:lnTo>
+                <a:lnTo>
+                  <a:pt x="1" y="595217"/>
+                </a:lnTo>
+                <a:lnTo>
+                  <a:pt x="1" y="0"/>
+                </a:lnTo>
+                <a:close/>
+              </a:path>
+            </a:pathLst>
+          </a:custGeom>
+          <a:ln>
+            <a:noFill/>
+          </a:ln>
+          <a:effectLst/>
+          <a:extLst>
+            <a:ext uri="{91240B29-F687-4f45-9708-019B960494DF}">
+              <a14:hiddenLine xmlns="" xmlns:a14="http://schemas.microsoft.com/office/drawing/2010/main" xmlns:p14="http://schemas.microsoft.com/office/powerpoint/2010/main" xmlns:a16="http://schemas.microsoft.com/office/drawing/2014/main" w="9525">
+                <a:solidFill>
+                  <a:srgbClr val="000000"/>
+                </a:solidFill>
+                <a:round/>
+                <a:headEnd/>
+                <a:tailEnd/>
+              </a14:hiddenLine>
+            </a:ext>
+          </a:extLst>
+        </p:spPr>
+        <p:style>
+          <a:lnRef idx="1">
+            <a:schemeClr val="accent1"/>
+          </a:lnRef>
+          <a:fillRef idx="3">
+            <a:schemeClr val="accent1"/>
+          </a:fillRef>
+          <a:effectRef idx="2">
+            <a:schemeClr val="accent1"/>
+          </a:effectRef>
+          <a:fontRef idx="minor">
+            <a:schemeClr val="lt1"/>
+          </a:fontRef>
+        </p:style>
+      </p:sp>
+      <p:sp>
+        <p:nvSpPr>
           <p:cNvPr id="4" name="Titre 3">
             <a:extLst>
               <a:ext uri="{FF2B5EF4-FFF2-40B4-BE49-F238E27FC236}">
@@ -10133,15 +12561,83 @@
             <p:ph type="title"/>
           </p:nvPr>
         </p:nvSpPr>
-        <p:spPr/>
+        <p:spPr>
+          <a:xfrm>
+            <a:off x="451514" y="947607"/>
+            <a:ext cx="4389427" cy="4962786"/>
+          </a:xfrm>
+        </p:spPr>
         <p:txBody>
-          <a:bodyPr/>
+          <a:bodyPr vert="horz" lIns="91440" tIns="45720" rIns="91440" bIns="45720" rtlCol="0" anchor="ctr">
+            <a:normAutofit/>
+          </a:bodyPr>
           <a:lstStyle/>
           <a:p>
+            <a:pPr algn="l"/>
             <a:r>
-              <a:rPr lang="fr-FR" dirty="0"/>
+              <a:rPr lang="en-US" sz="4600"/>
               <a:t>Spécifications techniques</a:t>
             </a:r>
+          </a:p>
+        </p:txBody>
+      </p:sp>
+      <p:sp>
+        <p:nvSpPr>
+          <p:cNvPr id="2" name="Espace réservé du numéro de diapositive 1">
+            <a:extLst>
+              <a:ext uri="{FF2B5EF4-FFF2-40B4-BE49-F238E27FC236}">
+                <a16:creationId xmlns:a16="http://schemas.microsoft.com/office/drawing/2014/main" id="{28830B7B-2E0A-455B-B35E-72273865503B}"/>
+              </a:ext>
+            </a:extLst>
+          </p:cNvPr>
+          <p:cNvSpPr>
+            <a:spLocks noGrp="1"/>
+          </p:cNvSpPr>
+          <p:nvPr>
+            <p:ph type="sldNum" sz="quarter" idx="12"/>
+          </p:nvPr>
+        </p:nvSpPr>
+        <p:spPr>
+          <a:xfrm>
+            <a:off x="10678331" y="5915888"/>
+            <a:ext cx="1062155" cy="490599"/>
+          </a:xfrm>
+        </p:spPr>
+        <p:txBody>
+          <a:bodyPr vert="horz" lIns="91440" tIns="45720" rIns="91440" bIns="10800" rtlCol="0" anchor="b">
+            <a:normAutofit/>
+          </a:bodyPr>
+          <a:lstStyle/>
+          <a:p>
+            <a:pPr>
+              <a:spcAft>
+                <a:spcPts val="600"/>
+              </a:spcAft>
+            </a:pPr>
+            <a:fld id="{D57F1E4F-1CFF-5643-939E-217C01CDF565}" type="slidenum">
+              <a:rPr lang="en-US" kern="1200" smtClean="0">
+                <a:solidFill>
+                  <a:schemeClr val="accent1"/>
+                </a:solidFill>
+                <a:latin typeface="+mn-lt"/>
+                <a:ea typeface="+mn-ea"/>
+                <a:cs typeface="+mn-cs"/>
+              </a:rPr>
+              <a:pPr>
+                <a:spcAft>
+                  <a:spcPts val="600"/>
+                </a:spcAft>
+              </a:pPr>
+              <a:t>6</a:t>
+            </a:fld>
+            <a:endParaRPr lang="en-US" kern="1200" dirty="0">
+              <a:solidFill>
+                <a:schemeClr val="accent1"/>
+              </a:solidFill>
+              <a:latin typeface="+mn-lt"/>
+              <a:ea typeface="+mn-ea"/>
+              <a:cs typeface="+mn-cs"/>
+            </a:endParaRPr>
           </a:p>
         </p:txBody>
       </p:sp>
@@ -10233,6 +12729,36 @@
           </a:prstGeom>
         </p:spPr>
       </p:pic>
+      <p:sp>
+        <p:nvSpPr>
+          <p:cNvPr id="6" name="Espace réservé du numéro de diapositive 5">
+            <a:extLst>
+              <a:ext uri="{FF2B5EF4-FFF2-40B4-BE49-F238E27FC236}">
+                <a16:creationId xmlns:a16="http://schemas.microsoft.com/office/drawing/2014/main" id="{84923DA1-B800-4581-A591-3DB116B99ACD}"/>
+              </a:ext>
+            </a:extLst>
+          </p:cNvPr>
+          <p:cNvSpPr>
+            <a:spLocks noGrp="1"/>
+          </p:cNvSpPr>
+          <p:nvPr>
+            <p:ph type="sldNum" sz="quarter" idx="12"/>
+          </p:nvPr>
+        </p:nvSpPr>
+        <p:spPr/>
+        <p:txBody>
+          <a:bodyPr/>
+          <a:lstStyle/>
+          <a:p>
+            <a:fld id="{D57F1E4F-1CFF-5643-939E-217C01CDF565}" type="slidenum">
+              <a:rPr lang="en-US" smtClean="0"/>
+              <a:pPr/>
+              <a:t>7</a:t>
+            </a:fld>
+            <a:endParaRPr lang="en-US" dirty="0"/>
+          </a:p>
+        </p:txBody>
+      </p:sp>
     </p:spTree>
     <p:extLst>
       <p:ext uri="{BB962C8B-B14F-4D97-AF65-F5344CB8AC3E}">
@@ -10335,6 +12861,36 @@
           </a:p>
         </p:txBody>
       </p:sp>
+      <p:sp>
+        <p:nvSpPr>
+          <p:cNvPr id="4" name="Espace réservé du numéro de diapositive 3">
+            <a:extLst>
+              <a:ext uri="{FF2B5EF4-FFF2-40B4-BE49-F238E27FC236}">
+                <a16:creationId xmlns:a16="http://schemas.microsoft.com/office/drawing/2014/main" id="{4A3E47E9-F1FB-4E53-8863-F3B78F46321E}"/>
+              </a:ext>
+            </a:extLst>
+          </p:cNvPr>
+          <p:cNvSpPr>
+            <a:spLocks noGrp="1"/>
+          </p:cNvSpPr>
+          <p:nvPr>
+            <p:ph type="sldNum" sz="quarter" idx="12"/>
+          </p:nvPr>
+        </p:nvSpPr>
+        <p:spPr/>
+        <p:txBody>
+          <a:bodyPr/>
+          <a:lstStyle/>
+          <a:p>
+            <a:fld id="{D57F1E4F-1CFF-5643-939E-217C01CDF565}" type="slidenum">
+              <a:rPr lang="en-US" smtClean="0"/>
+              <a:pPr/>
+              <a:t>8</a:t>
+            </a:fld>
+            <a:endParaRPr lang="en-US" dirty="0"/>
+          </a:p>
+        </p:txBody>
+      </p:sp>
     </p:spTree>
     <p:extLst>
       <p:ext uri="{BB962C8B-B14F-4D97-AF65-F5344CB8AC3E}">
@@ -10464,6 +13020,36 @@
               <a:rPr lang="fr-FR" dirty="0"/>
               <a:t> : plateforme de déploiement</a:t>
             </a:r>
+          </a:p>
+        </p:txBody>
+      </p:sp>
+      <p:sp>
+        <p:nvSpPr>
+          <p:cNvPr id="4" name="Espace réservé du numéro de diapositive 3">
+            <a:extLst>
+              <a:ext uri="{FF2B5EF4-FFF2-40B4-BE49-F238E27FC236}">
+                <a16:creationId xmlns:a16="http://schemas.microsoft.com/office/drawing/2014/main" id="{01B7C300-0E3D-48A9-9AB6-BBB407DD8FE8}"/>
+              </a:ext>
+            </a:extLst>
+          </p:cNvPr>
+          <p:cNvSpPr>
+            <a:spLocks noGrp="1"/>
+          </p:cNvSpPr>
+          <p:nvPr>
+            <p:ph type="sldNum" sz="quarter" idx="12"/>
+          </p:nvPr>
+        </p:nvSpPr>
+        <p:spPr/>
+        <p:txBody>
+          <a:bodyPr/>
+          <a:lstStyle/>
+          <a:p>
+            <a:fld id="{D57F1E4F-1CFF-5643-939E-217C01CDF565}" type="slidenum">
+              <a:rPr lang="en-US" smtClean="0"/>
+              <a:pPr/>
+              <a:t>9</a:t>
+            </a:fld>
+            <a:endParaRPr lang="en-US" dirty="0"/>
           </a:p>
         </p:txBody>
       </p:sp>

--- a/PWA-COM_v1.1.pptx
+++ b/PWA-COM_v1.1.pptx
@@ -9925,7 +9925,7 @@
         </p:nvSpPr>
         <p:spPr>
           <a:xfrm>
-            <a:off x="7444934" y="3352799"/>
+            <a:off x="606245" y="3746523"/>
             <a:ext cx="4079963" cy="369332"/>
           </a:xfrm>
           <a:prstGeom prst="rect">
@@ -9941,14 +9941,104 @@
           <a:p>
             <a:r>
               <a:rPr lang="fr-FR" dirty="0">
-                <a:hlinkClick r:id="rId2"/>
+                <a:solidFill>
+                  <a:schemeClr val="bg1"/>
+                </a:solidFill>
+                <a:hlinkClick r:id="rId2">
+                  <a:extLst>
+                    <a:ext uri="{A12FA001-AC4F-418D-AE19-62706E023703}">
+                      <ahyp:hlinkClr xmlns:ahyp="http://schemas.microsoft.com/office/drawing/2018/hyperlinkcolor" val="tx"/>
+                    </a:ext>
+                  </a:extLst>
+                </a:hlinkClick>
               </a:rPr>
               <a:t>https://pwa-com.herokuapp.com/</a:t>
             </a:r>
-            <a:endParaRPr lang="fr-FR" dirty="0"/>
+            <a:endParaRPr lang="fr-FR" dirty="0">
+              <a:solidFill>
+                <a:schemeClr val="bg1"/>
+              </a:solidFill>
+            </a:endParaRPr>
           </a:p>
         </p:txBody>
       </p:sp>
+      <p:pic>
+        <p:nvPicPr>
+          <p:cNvPr id="5" name="Image 4">
+            <a:extLst>
+              <a:ext uri="{FF2B5EF4-FFF2-40B4-BE49-F238E27FC236}">
+                <a16:creationId xmlns:a16="http://schemas.microsoft.com/office/drawing/2014/main" id="{60141FD3-7856-4456-9D2A-124BC51C8792}"/>
+              </a:ext>
+            </a:extLst>
+          </p:cNvPr>
+          <p:cNvPicPr>
+            <a:picLocks noChangeAspect="1"/>
+          </p:cNvPicPr>
+          <p:nvPr/>
+        </p:nvPicPr>
+        <p:blipFill>
+          <a:blip r:embed="rId3"/>
+          <a:stretch>
+            <a:fillRect/>
+          </a:stretch>
+        </p:blipFill>
+        <p:spPr>
+          <a:xfrm>
+            <a:off x="6649818" y="2252438"/>
+            <a:ext cx="2461406" cy="2353121"/>
+          </a:xfrm>
+          <a:prstGeom prst="rect">
+            <a:avLst/>
+          </a:prstGeom>
+        </p:spPr>
+      </p:pic>
+      <p:pic>
+        <p:nvPicPr>
+          <p:cNvPr id="1026" name="Picture 2">
+            <a:extLst>
+              <a:ext uri="{FF2B5EF4-FFF2-40B4-BE49-F238E27FC236}">
+                <a16:creationId xmlns:a16="http://schemas.microsoft.com/office/drawing/2014/main" id="{65D1F69F-5B80-47D9-A270-6FBFDD7C10B1}"/>
+              </a:ext>
+            </a:extLst>
+          </p:cNvPr>
+          <p:cNvPicPr>
+            <a:picLocks noChangeAspect="1" noChangeArrowheads="1"/>
+          </p:cNvPicPr>
+          <p:nvPr/>
+        </p:nvPicPr>
+        <p:blipFill>
+          <a:blip r:embed="rId4">
+            <a:extLst>
+              <a:ext uri="{28A0092B-C50C-407E-A947-70E740481C1C}">
+                <a14:useLocalDpi xmlns:a14="http://schemas.microsoft.com/office/drawing/2010/main" val="0"/>
+              </a:ext>
+            </a:extLst>
+          </a:blip>
+          <a:srcRect/>
+          <a:stretch>
+            <a:fillRect/>
+          </a:stretch>
+        </p:blipFill>
+        <p:spPr bwMode="auto">
+          <a:xfrm>
+            <a:off x="9328064" y="746941"/>
+            <a:ext cx="2453449" cy="5110368"/>
+          </a:xfrm>
+          <a:prstGeom prst="rect">
+            <a:avLst/>
+          </a:prstGeom>
+          <a:noFill/>
+          <a:extLst>
+            <a:ext uri="{909E8E84-426E-40DD-AFC4-6F175D3DCCD1}">
+              <a14:hiddenFill xmlns:a14="http://schemas.microsoft.com/office/drawing/2010/main">
+                <a:solidFill>
+                  <a:srgbClr val="FFFFFF"/>
+                </a:solidFill>
+              </a14:hiddenFill>
+            </a:ext>
+          </a:extLst>
+        </p:spPr>
+      </p:pic>
     </p:spTree>
     <p:extLst>
       <p:ext uri="{BB962C8B-B14F-4D97-AF65-F5344CB8AC3E}">
@@ -11913,7 +12003,34 @@
           <a:bodyPr/>
           <a:lstStyle/>
           <a:p>
-            <a:endParaRPr lang="fr-FR" dirty="0"/>
+            <a:r>
+              <a:rPr lang="fr-FR" dirty="0"/>
+              <a:t>Discuter</a:t>
+            </a:r>
+          </a:p>
+          <a:p>
+            <a:r>
+              <a:rPr lang="fr-FR" dirty="0"/>
+              <a:t>Hashtags</a:t>
+            </a:r>
+          </a:p>
+          <a:p>
+            <a:r>
+              <a:rPr lang="fr-FR" dirty="0"/>
+              <a:t>Temps réel</a:t>
+            </a:r>
+          </a:p>
+          <a:p>
+            <a:r>
+              <a:rPr lang="fr-FR" dirty="0"/>
+              <a:t>Sans authentification</a:t>
+            </a:r>
+          </a:p>
+          <a:p>
+            <a:r>
+              <a:rPr lang="fr-FR" dirty="0"/>
+              <a:t>Localisation</a:t>
+            </a:r>
           </a:p>
         </p:txBody>
       </p:sp>

--- a/PWA-COM_v1.1.pptx
+++ b/PWA-COM_v1.1.pptx
@@ -3954,7 +3954,7 @@
           <a:effectLst/>
           <a:extLst>
             <a:ext uri="{91240B29-F687-4f45-9708-019B960494DF}">
-              <a14:hiddenLine xmlns:a14="http://schemas.microsoft.com/office/drawing/2010/main" xmlns="" w="9525">
+              <a14:hiddenLine xmlns="" xmlns:a14="http://schemas.microsoft.com/office/drawing/2010/main" w="9525">
                 <a:solidFill>
                   <a:srgbClr val="000000"/>
                 </a:solidFill>
@@ -5460,7 +5460,7 @@
           <a:ln/>
           <a:extLst>
             <a:ext uri="{91240B29-F687-4f45-9708-019B960494DF}">
-              <a14:hiddenLine xmlns:a14="http://schemas.microsoft.com/office/drawing/2010/main" xmlns="" w="9525">
+              <a14:hiddenLine xmlns="" xmlns:a14="http://schemas.microsoft.com/office/drawing/2010/main" w="9525">
                 <a:solidFill>
                   <a:srgbClr val="000000"/>
                 </a:solidFill>
@@ -5731,7 +5731,7 @@
           <a:ln/>
           <a:extLst>
             <a:ext uri="{91240B29-F687-4f45-9708-019B960494DF}">
-              <a14:hiddenLine xmlns:a14="http://schemas.microsoft.com/office/drawing/2010/main" xmlns="" w="9525">
+              <a14:hiddenLine xmlns="" xmlns:a14="http://schemas.microsoft.com/office/drawing/2010/main" w="9525">
                 <a:solidFill>
                   <a:srgbClr val="000000"/>
                 </a:solidFill>
@@ -6010,7 +6010,7 @@
           <a:ln/>
           <a:extLst>
             <a:ext uri="{91240B29-F687-4f45-9708-019B960494DF}">
-              <a14:hiddenLine xmlns:a14="http://schemas.microsoft.com/office/drawing/2010/main" xmlns="" w="9525">
+              <a14:hiddenLine xmlns="" xmlns:a14="http://schemas.microsoft.com/office/drawing/2010/main" w="9525">
                 <a:solidFill>
                   <a:srgbClr val="000000"/>
                 </a:solidFill>
@@ -6628,7 +6628,7 @@
           <a:ln/>
           <a:extLst>
             <a:ext uri="{91240B29-F687-4f45-9708-019B960494DF}">
-              <a14:hiddenLine xmlns:a14="http://schemas.microsoft.com/office/drawing/2010/main" xmlns="" w="9525">
+              <a14:hiddenLine xmlns="" xmlns:a14="http://schemas.microsoft.com/office/drawing/2010/main" w="9525">
                 <a:solidFill>
                   <a:srgbClr val="000000"/>
                 </a:solidFill>
@@ -6963,7 +6963,7 @@
           <a:ln/>
           <a:extLst>
             <a:ext uri="{91240B29-F687-4f45-9708-019B960494DF}">
-              <a14:hiddenLine xmlns:a14="http://schemas.microsoft.com/office/drawing/2010/main" xmlns="" w="9525">
+              <a14:hiddenLine xmlns="" xmlns:a14="http://schemas.microsoft.com/office/drawing/2010/main" w="9525">
                 <a:solidFill>
                   <a:srgbClr val="000000"/>
                 </a:solidFill>
@@ -7436,7 +7436,7 @@
           <a:ln/>
           <a:extLst>
             <a:ext uri="{91240B29-F687-4f45-9708-019B960494DF}">
-              <a14:hiddenLine xmlns:a14="http://schemas.microsoft.com/office/drawing/2010/main" xmlns="" w="9525">
+              <a14:hiddenLine xmlns="" xmlns:a14="http://schemas.microsoft.com/office/drawing/2010/main" w="9525">
                 <a:solidFill>
                   <a:srgbClr val="000000"/>
                 </a:solidFill>
@@ -7857,7 +7857,7 @@
           <a:ln/>
           <a:extLst>
             <a:ext uri="{91240B29-F687-4f45-9708-019B960494DF}">
-              <a14:hiddenLine xmlns:a14="http://schemas.microsoft.com/office/drawing/2010/main" xmlns="" w="9525">
+              <a14:hiddenLine xmlns="" xmlns:a14="http://schemas.microsoft.com/office/drawing/2010/main" w="9525">
                 <a:solidFill>
                   <a:srgbClr val="000000"/>
                 </a:solidFill>
@@ -9466,7 +9466,7 @@
           <a:effectLst/>
           <a:extLst>
             <a:ext uri="{91240B29-F687-4f45-9708-019B960494DF}">
-              <a14:hiddenLine xmlns="" xmlns:a14="http://schemas.microsoft.com/office/drawing/2010/main" xmlns:a16="http://schemas.microsoft.com/office/drawing/2014/main" w="9525">
+              <a14:hiddenLine xmlns:a16="http://schemas.microsoft.com/office/drawing/2014/main" xmlns:a14="http://schemas.microsoft.com/office/drawing/2010/main" xmlns="" w="9525">
                 <a:solidFill>
                   <a:srgbClr val="000000"/>
                 </a:solidFill>
@@ -9789,7 +9789,7 @@
           <a:effectLst/>
           <a:extLst>
             <a:ext uri="{91240B29-F687-4f45-9708-019B960494DF}">
-              <a14:hiddenLine xmlns="" xmlns:a14="http://schemas.microsoft.com/office/drawing/2010/main" xmlns:p14="http://schemas.microsoft.com/office/powerpoint/2010/main" xmlns:a16="http://schemas.microsoft.com/office/drawing/2014/main" w="9525">
+              <a14:hiddenLine xmlns:a16="http://schemas.microsoft.com/office/drawing/2014/main" xmlns:p14="http://schemas.microsoft.com/office/powerpoint/2010/main" xmlns:a14="http://schemas.microsoft.com/office/drawing/2010/main" xmlns="" w="9525">
                 <a:solidFill>
                   <a:srgbClr val="000000"/>
                 </a:solidFill>
@@ -9984,7 +9984,7 @@
         </p:blipFill>
         <p:spPr>
           <a:xfrm>
-            <a:off x="6649818" y="2252438"/>
+            <a:off x="6611717" y="1173809"/>
             <a:ext cx="2461406" cy="2353121"/>
           </a:xfrm>
           <a:prstGeom prst="rect">
@@ -10039,6 +10039,51 @@
           </a:extLst>
         </p:spPr>
       </p:pic>
+      <p:pic>
+        <p:nvPicPr>
+          <p:cNvPr id="2" name="Picture 2">
+            <a:extLst>
+              <a:ext uri="{FF2B5EF4-FFF2-40B4-BE49-F238E27FC236}">
+                <a16:creationId xmlns:a16="http://schemas.microsoft.com/office/drawing/2014/main" id="{D884F666-AAB4-42DD-A047-B61F39EB64F1}"/>
+              </a:ext>
+            </a:extLst>
+          </p:cNvPr>
+          <p:cNvPicPr>
+            <a:picLocks noChangeAspect="1" noChangeArrowheads="1"/>
+          </p:cNvPicPr>
+          <p:nvPr/>
+        </p:nvPicPr>
+        <p:blipFill rotWithShape="1">
+          <a:blip r:embed="rId5">
+            <a:extLst>
+              <a:ext uri="{28A0092B-C50C-407E-A947-70E740481C1C}">
+                <a14:useLocalDpi xmlns:a14="http://schemas.microsoft.com/office/drawing/2010/main" val="0"/>
+              </a:ext>
+            </a:extLst>
+          </a:blip>
+          <a:srcRect t="38472" r="-337" b="31250"/>
+          <a:stretch/>
+        </p:blipFill>
+        <p:spPr bwMode="auto">
+          <a:xfrm>
+            <a:off x="6604998" y="4004196"/>
+            <a:ext cx="2468125" cy="1551325"/>
+          </a:xfrm>
+          <a:prstGeom prst="rect">
+            <a:avLst/>
+          </a:prstGeom>
+          <a:noFill/>
+          <a:extLst>
+            <a:ext uri="{909E8E84-426E-40DD-AFC4-6F175D3DCCD1}">
+              <a14:hiddenFill xmlns:a14="http://schemas.microsoft.com/office/drawing/2010/main">
+                <a:solidFill>
+                  <a:srgbClr val="FFFFFF"/>
+                </a:solidFill>
+              </a14:hiddenFill>
+            </a:ext>
+          </a:extLst>
+        </p:spPr>
+      </p:pic>
     </p:spTree>
     <p:extLst>
       <p:ext uri="{BB962C8B-B14F-4D97-AF65-F5344CB8AC3E}">
@@ -10172,7 +10217,7 @@
           <a:effectLst/>
           <a:extLst>
             <a:ext uri="{91240B29-F687-4f45-9708-019B960494DF}">
-              <a14:hiddenLine xmlns="" xmlns:a14="http://schemas.microsoft.com/office/drawing/2010/main" xmlns:a16="http://schemas.microsoft.com/office/drawing/2014/main" w="9525">
+              <a14:hiddenLine xmlns:a16="http://schemas.microsoft.com/office/drawing/2014/main" xmlns:a14="http://schemas.microsoft.com/office/drawing/2010/main" xmlns="" w="9525">
                 <a:solidFill>
                   <a:srgbClr val="000000"/>
                 </a:solidFill>
@@ -10495,7 +10540,7 @@
           <a:effectLst/>
           <a:extLst>
             <a:ext uri="{91240B29-F687-4f45-9708-019B960494DF}">
-              <a14:hiddenLine xmlns="" xmlns:a14="http://schemas.microsoft.com/office/drawing/2010/main" xmlns:p14="http://schemas.microsoft.com/office/powerpoint/2010/main" xmlns:a16="http://schemas.microsoft.com/office/drawing/2014/main" w="9525">
+              <a14:hiddenLine xmlns:a16="http://schemas.microsoft.com/office/drawing/2014/main" xmlns:p14="http://schemas.microsoft.com/office/powerpoint/2010/main" xmlns:a14="http://schemas.microsoft.com/office/drawing/2010/main" xmlns="" w="9525">
                 <a:solidFill>
                   <a:srgbClr val="000000"/>
                 </a:solidFill>
@@ -10886,15 +10931,7 @@
           <a:p>
             <a:r>
               <a:rPr lang="fr-FR" dirty="0"/>
-              <a:t>Mode de réflexion </a:t>
-            </a:r>
-            <a:r>
-              <a:rPr lang="fr-FR"/>
-              <a:t>(utilisation PWA</a:t>
-            </a:r>
-            <a:r>
-              <a:rPr lang="fr-FR" dirty="0"/>
-              <a:t>, </a:t>
+              <a:t>Mode de réflexion (utilisation PWA, </a:t>
             </a:r>
             <a:r>
               <a:rPr lang="fr-FR" dirty="0" err="1"/>
@@ -10909,6 +10946,20 @@
             <a:r>
               <a:rPr lang="fr-FR" dirty="0"/>
               <a:t>Réflexe de l’audit</a:t>
+            </a:r>
+          </a:p>
+          <a:p>
+            <a:r>
+              <a:rPr lang="fr-FR" dirty="0"/>
+              <a:t>Utilisation </a:t>
+            </a:r>
+            <a:r>
+              <a:rPr lang="fr-FR"/>
+              <a:t>de différentes fonctions </a:t>
+            </a:r>
+            <a:r>
+              <a:rPr lang="fr-FR" dirty="0"/>
+              <a:t>natives</a:t>
             </a:r>
           </a:p>
         </p:txBody>
@@ -11479,7 +11530,7 @@
           <a:effectLst/>
           <a:extLst>
             <a:ext uri="{91240B29-F687-4f45-9708-019B960494DF}">
-              <a14:hiddenLine xmlns="" xmlns:a14="http://schemas.microsoft.com/office/drawing/2010/main" xmlns:a16="http://schemas.microsoft.com/office/drawing/2014/main" w="9525">
+              <a14:hiddenLine xmlns:a16="http://schemas.microsoft.com/office/drawing/2014/main" xmlns:a14="http://schemas.microsoft.com/office/drawing/2010/main" xmlns="" w="9525">
                 <a:solidFill>
                   <a:srgbClr val="000000"/>
                 </a:solidFill>
@@ -11802,7 +11853,7 @@
           <a:effectLst/>
           <a:extLst>
             <a:ext uri="{91240B29-F687-4f45-9708-019B960494DF}">
-              <a14:hiddenLine xmlns="" xmlns:a14="http://schemas.microsoft.com/office/drawing/2010/main" xmlns:p14="http://schemas.microsoft.com/office/powerpoint/2010/main" xmlns:a16="http://schemas.microsoft.com/office/drawing/2014/main" w="9525">
+              <a14:hiddenLine xmlns:a16="http://schemas.microsoft.com/office/drawing/2014/main" xmlns:p14="http://schemas.microsoft.com/office/powerpoint/2010/main" xmlns:a14="http://schemas.microsoft.com/office/drawing/2010/main" xmlns="" w="9525">
                 <a:solidFill>
                   <a:srgbClr val="000000"/>
                 </a:solidFill>
@@ -12313,7 +12364,7 @@
           <a:effectLst/>
           <a:extLst>
             <a:ext uri="{91240B29-F687-4f45-9708-019B960494DF}">
-              <a14:hiddenLine xmlns="" xmlns:a14="http://schemas.microsoft.com/office/drawing/2010/main" xmlns:a16="http://schemas.microsoft.com/office/drawing/2014/main" w="9525">
+              <a14:hiddenLine xmlns:a16="http://schemas.microsoft.com/office/drawing/2014/main" xmlns:a14="http://schemas.microsoft.com/office/drawing/2010/main" xmlns="" w="9525">
                 <a:solidFill>
                   <a:srgbClr val="000000"/>
                 </a:solidFill>
@@ -12636,7 +12687,7 @@
           <a:effectLst/>
           <a:extLst>
             <a:ext uri="{91240B29-F687-4f45-9708-019B960494DF}">
-              <a14:hiddenLine xmlns="" xmlns:a14="http://schemas.microsoft.com/office/drawing/2010/main" xmlns:p14="http://schemas.microsoft.com/office/powerpoint/2010/main" xmlns:a16="http://schemas.microsoft.com/office/drawing/2014/main" w="9525">
+              <a14:hiddenLine xmlns:a16="http://schemas.microsoft.com/office/drawing/2014/main" xmlns:p14="http://schemas.microsoft.com/office/powerpoint/2010/main" xmlns:a14="http://schemas.microsoft.com/office/drawing/2010/main" xmlns="" w="9525">
                 <a:solidFill>
                   <a:srgbClr val="000000"/>
                 </a:solidFill>
@@ -13716,6 +13767,21 @@
 </file>
 
 <file path=customXml/item1.xml><?xml version="1.0" encoding="utf-8"?>
+<p:properties xmlns:p="http://schemas.microsoft.com/office/2006/metadata/properties" xmlns:xsi="http://www.w3.org/2001/XMLSchema-instance" xmlns:pc="http://schemas.microsoft.com/office/infopath/2007/PartnerControls">
+  <documentManagement/>
+</p:properties>
+</file>
+
+<file path=customXml/item2.xml><?xml version="1.0" encoding="utf-8"?>
+<?mso-contentType ?>
+<FormTemplates xmlns="http://schemas.microsoft.com/sharepoint/v3/contenttype/forms">
+  <Display>DocumentLibraryForm</Display>
+  <Edit>DocumentLibraryForm</Edit>
+  <New>DocumentLibraryForm</New>
+</FormTemplates>
+</file>
+
+<file path=customXml/item3.xml><?xml version="1.0" encoding="utf-8"?>
 <ct:contentTypeSchema xmlns:ct="http://schemas.microsoft.com/office/2006/metadata/contentType" xmlns:ma="http://schemas.microsoft.com/office/2006/metadata/properties/metaAttributes" ct:_="" ma:_="" ma:contentTypeName="Document" ma:contentTypeID="0x010100CF4A303E319FD944808A3F288FE5DDF7" ma:contentTypeVersion="10" ma:contentTypeDescription="Crée un document." ma:contentTypeScope="" ma:versionID="14564fae3202eb4bcd3910b6907b945c">
   <xsd:schema xmlns:xsd="http://www.w3.org/2001/XMLSchema" xmlns:xs="http://www.w3.org/2001/XMLSchema" xmlns:p="http://schemas.microsoft.com/office/2006/metadata/properties" xmlns:ns3="6b854832-f444-4f51-aa95-8d71f60bf0ab" xmlns:ns4="5ad3b809-77c7-494f-98a9-9d0a32803dcd" targetNamespace="http://schemas.microsoft.com/office/2006/metadata/properties" ma:root="true" ma:fieldsID="70b6269da4170888777c4a6945f67cbe" ns3:_="" ns4:_="">
     <xsd:import namespace="6b854832-f444-4f51-aa95-8d71f60bf0ab"/>
@@ -13918,22 +13984,32 @@
 </ct:contentTypeSchema>
 </file>
 
-<file path=customXml/item2.xml><?xml version="1.0" encoding="utf-8"?>
-<?mso-contentType ?>
-<FormTemplates xmlns="http://schemas.microsoft.com/sharepoint/v3/contenttype/forms">
-  <Display>DocumentLibraryForm</Display>
-  <Edit>DocumentLibraryForm</Edit>
-  <New>DocumentLibraryForm</New>
-</FormTemplates>
+<file path=customXml/itemProps1.xml><?xml version="1.0" encoding="utf-8"?>
+<ds:datastoreItem xmlns:ds="http://schemas.openxmlformats.org/officeDocument/2006/customXml" ds:itemID="{AAB76794-074A-4561-98CD-F65E0623B4D3}">
+  <ds:schemaRefs>
+    <ds:schemaRef ds:uri="http://schemas.microsoft.com/office/2006/metadata/properties"/>
+    <ds:schemaRef ds:uri="http://schemas.openxmlformats.org/package/2006/metadata/core-properties"/>
+    <ds:schemaRef ds:uri="http://schemas.microsoft.com/office/2006/documentManagement/types"/>
+    <ds:schemaRef ds:uri="http://purl.org/dc/terms/"/>
+    <ds:schemaRef ds:uri="http://www.w3.org/XML/1998/namespace"/>
+    <ds:schemaRef ds:uri="http://schemas.microsoft.com/office/infopath/2007/PartnerControls"/>
+    <ds:schemaRef ds:uri="5ad3b809-77c7-494f-98a9-9d0a32803dcd"/>
+    <ds:schemaRef ds:uri="6b854832-f444-4f51-aa95-8d71f60bf0ab"/>
+    <ds:schemaRef ds:uri="http://purl.org/dc/dcmitype/"/>
+    <ds:schemaRef ds:uri="http://purl.org/dc/elements/1.1/"/>
+  </ds:schemaRefs>
+</ds:datastoreItem>
 </file>
 
-<file path=customXml/item3.xml><?xml version="1.0" encoding="utf-8"?>
-<p:properties xmlns:p="http://schemas.microsoft.com/office/2006/metadata/properties" xmlns:xsi="http://www.w3.org/2001/XMLSchema-instance" xmlns:pc="http://schemas.microsoft.com/office/infopath/2007/PartnerControls">
-  <documentManagement/>
-</p:properties>
+<file path=customXml/itemProps2.xml><?xml version="1.0" encoding="utf-8"?>
+<ds:datastoreItem xmlns:ds="http://schemas.openxmlformats.org/officeDocument/2006/customXml" ds:itemID="{F5317CD0-3153-4122-B1C0-FA22AC85FC96}">
+  <ds:schemaRefs>
+    <ds:schemaRef ds:uri="http://schemas.microsoft.com/sharepoint/v3/contenttype/forms"/>
+  </ds:schemaRefs>
+</ds:datastoreItem>
 </file>
 
-<file path=customXml/itemProps1.xml><?xml version="1.0" encoding="utf-8"?>
+<file path=customXml/itemProps3.xml><?xml version="1.0" encoding="utf-8"?>
 <ds:datastoreItem xmlns:ds="http://schemas.openxmlformats.org/officeDocument/2006/customXml" ds:itemID="{E9CD285C-45E4-46DF-A42D-F938C832EF6C}">
   <ds:schemaRefs>
     <ds:schemaRef ds:uri="http://schemas.microsoft.com/office/2006/metadata/contentType"/>
@@ -13950,29 +14026,4 @@
     <ds:schemaRef ds:uri="http://schemas.microsoft.com/internal/obd"/>
   </ds:schemaRefs>
 </ds:datastoreItem>
-</file>
-
-<file path=customXml/itemProps2.xml><?xml version="1.0" encoding="utf-8"?>
-<ds:datastoreItem xmlns:ds="http://schemas.openxmlformats.org/officeDocument/2006/customXml" ds:itemID="{F5317CD0-3153-4122-B1C0-FA22AC85FC96}">
-  <ds:schemaRefs>
-    <ds:schemaRef ds:uri="http://schemas.microsoft.com/sharepoint/v3/contenttype/forms"/>
-  </ds:schemaRefs>
-</ds:datastoreItem>
-</file>
-
-<file path=customXml/itemProps3.xml><?xml version="1.0" encoding="utf-8"?>
-<ds:datastoreItem xmlns:ds="http://schemas.openxmlformats.org/officeDocument/2006/customXml" ds:itemID="{AAB76794-074A-4561-98CD-F65E0623B4D3}">
-  <ds:schemaRefs>
-    <ds:schemaRef ds:uri="http://schemas.microsoft.com/office/2006/metadata/properties"/>
-    <ds:schemaRef ds:uri="http://schemas.openxmlformats.org/package/2006/metadata/core-properties"/>
-    <ds:schemaRef ds:uri="http://schemas.microsoft.com/office/2006/documentManagement/types"/>
-    <ds:schemaRef ds:uri="http://purl.org/dc/terms/"/>
-    <ds:schemaRef ds:uri="http://www.w3.org/XML/1998/namespace"/>
-    <ds:schemaRef ds:uri="http://schemas.microsoft.com/office/infopath/2007/PartnerControls"/>
-    <ds:schemaRef ds:uri="5ad3b809-77c7-494f-98a9-9d0a32803dcd"/>
-    <ds:schemaRef ds:uri="6b854832-f444-4f51-aa95-8d71f60bf0ab"/>
-    <ds:schemaRef ds:uri="http://purl.org/dc/dcmitype/"/>
-    <ds:schemaRef ds:uri="http://purl.org/dc/elements/1.1/"/>
-  </ds:schemaRefs>
-</ds:datastoreItem>
 </file>
--- a/PWA-COM_v1.1.pptx
+++ b/PWA-COM_v1.1.pptx
@@ -3404,7 +3404,7 @@
           <a:p>
             <a:fld id="{8DBF2EEE-2DB4-46E1-88C6-F83DBC7D8760}" type="datetimeFigureOut">
               <a:rPr lang="fr-FR" smtClean="0"/>
-              <a:t>18/05/2020</a:t>
+              <a:t>28/05/2020</a:t>
             </a:fld>
             <a:endParaRPr lang="fr-FR"/>
           </a:p>
@@ -3954,7 +3954,7 @@
           <a:effectLst/>
           <a:extLst>
             <a:ext uri="{91240B29-F687-4f45-9708-019B960494DF}">
-              <a14:hiddenLine xmlns="" xmlns:a14="http://schemas.microsoft.com/office/drawing/2010/main" w="9525">
+              <a14:hiddenLine xmlns:a14="http://schemas.microsoft.com/office/drawing/2010/main" xmlns="" w="9525">
                 <a:solidFill>
                   <a:srgbClr val="000000"/>
                 </a:solidFill>
@@ -4146,7 +4146,7 @@
           <a:p>
             <a:fld id="{81AFCEFD-E44E-4793-9199-E847499D6E40}" type="datetime1">
               <a:rPr lang="en-US" smtClean="0"/>
-              <a:t>5/18/2020</a:t>
+              <a:t>5/28/2020</a:t>
             </a:fld>
             <a:endParaRPr lang="en-US" dirty="0"/>
           </a:p>
@@ -4460,7 +4460,7 @@
           <a:p>
             <a:fld id="{EFC7BD40-EDC8-417C-9081-871F3985786C}" type="datetime1">
               <a:rPr lang="en-US" smtClean="0"/>
-              <a:t>5/18/2020</a:t>
+              <a:t>5/28/2020</a:t>
             </a:fld>
             <a:endParaRPr lang="en-US" dirty="0"/>
           </a:p>
@@ -4944,7 +4944,7 @@
           <a:p>
             <a:fld id="{B184E224-2F87-4CAB-A5B2-1BD0D5AC0B45}" type="datetime1">
               <a:rPr lang="en-US" smtClean="0"/>
-              <a:t>5/18/2020</a:t>
+              <a:t>5/28/2020</a:t>
             </a:fld>
             <a:endParaRPr lang="en-US" dirty="0"/>
           </a:p>
@@ -5309,7 +5309,7 @@
           <a:p>
             <a:fld id="{A0F1914C-40BE-4775-9BE1-F0CE2F295139}" type="datetime1">
               <a:rPr lang="en-US" smtClean="0"/>
-              <a:t>5/18/2020</a:t>
+              <a:t>5/28/2020</a:t>
             </a:fld>
             <a:endParaRPr lang="en-US" dirty="0"/>
           </a:p>
@@ -5460,7 +5460,7 @@
           <a:ln/>
           <a:extLst>
             <a:ext uri="{91240B29-F687-4f45-9708-019B960494DF}">
-              <a14:hiddenLine xmlns="" xmlns:a14="http://schemas.microsoft.com/office/drawing/2010/main" w="9525">
+              <a14:hiddenLine xmlns:a14="http://schemas.microsoft.com/office/drawing/2010/main" xmlns="" w="9525">
                 <a:solidFill>
                   <a:srgbClr val="000000"/>
                 </a:solidFill>
@@ -5578,7 +5578,7 @@
           <a:p>
             <a:fld id="{6D52669A-AD7D-4D79-824C-5D332F37C4A9}" type="datetime1">
               <a:rPr lang="en-US" smtClean="0"/>
-              <a:t>5/18/2020</a:t>
+              <a:t>5/28/2020</a:t>
             </a:fld>
             <a:endParaRPr lang="en-US" dirty="0"/>
           </a:p>
@@ -5731,7 +5731,7 @@
           <a:ln/>
           <a:extLst>
             <a:ext uri="{91240B29-F687-4f45-9708-019B960494DF}">
-              <a14:hiddenLine xmlns="" xmlns:a14="http://schemas.microsoft.com/office/drawing/2010/main" w="9525">
+              <a14:hiddenLine xmlns:a14="http://schemas.microsoft.com/office/drawing/2010/main" xmlns="" w="9525">
                 <a:solidFill>
                   <a:srgbClr val="000000"/>
                 </a:solidFill>
@@ -5859,7 +5859,7 @@
           <a:p>
             <a:fld id="{27E6DF4D-4F49-4D6E-BAAB-BFBA4A08862D}" type="datetime1">
               <a:rPr lang="en-US" smtClean="0"/>
-              <a:t>5/18/2020</a:t>
+              <a:t>5/28/2020</a:t>
             </a:fld>
             <a:endParaRPr lang="en-US" dirty="0"/>
           </a:p>
@@ -6010,7 +6010,7 @@
           <a:ln/>
           <a:extLst>
             <a:ext uri="{91240B29-F687-4f45-9708-019B960494DF}">
-              <a14:hiddenLine xmlns="" xmlns:a14="http://schemas.microsoft.com/office/drawing/2010/main" w="9525">
+              <a14:hiddenLine xmlns:a14="http://schemas.microsoft.com/office/drawing/2010/main" xmlns="" w="9525">
                 <a:solidFill>
                   <a:srgbClr val="000000"/>
                 </a:solidFill>
@@ -6138,7 +6138,7 @@
           <a:p>
             <a:fld id="{35DDDC76-BA40-4D36-8179-396B1FDFF61D}" type="datetime1">
               <a:rPr lang="en-US" smtClean="0"/>
-              <a:t>5/18/2020</a:t>
+              <a:t>5/28/2020</a:t>
             </a:fld>
             <a:endParaRPr lang="en-US" dirty="0"/>
           </a:p>
@@ -6477,7 +6477,7 @@
           <a:p>
             <a:fld id="{6DA03657-C73C-4545-98B4-9E819F758153}" type="datetime1">
               <a:rPr lang="en-US" smtClean="0"/>
-              <a:t>5/18/2020</a:t>
+              <a:t>5/28/2020</a:t>
             </a:fld>
             <a:endParaRPr lang="en-US" dirty="0"/>
           </a:p>
@@ -6628,7 +6628,7 @@
           <a:ln/>
           <a:extLst>
             <a:ext uri="{91240B29-F687-4f45-9708-019B960494DF}">
-              <a14:hiddenLine xmlns="" xmlns:a14="http://schemas.microsoft.com/office/drawing/2010/main" w="9525">
+              <a14:hiddenLine xmlns:a14="http://schemas.microsoft.com/office/drawing/2010/main" xmlns="" w="9525">
                 <a:solidFill>
                   <a:srgbClr val="000000"/>
                 </a:solidFill>
@@ -6812,7 +6812,7 @@
           <a:p>
             <a:fld id="{1D88113B-F945-4EC4-A6BE-0A514E47AEE4}" type="datetime1">
               <a:rPr lang="en-US" smtClean="0"/>
-              <a:t>5/18/2020</a:t>
+              <a:t>5/28/2020</a:t>
             </a:fld>
             <a:endParaRPr lang="en-US" dirty="0"/>
           </a:p>
@@ -6963,7 +6963,7 @@
           <a:ln/>
           <a:extLst>
             <a:ext uri="{91240B29-F687-4f45-9708-019B960494DF}">
-              <a14:hiddenLine xmlns="" xmlns:a14="http://schemas.microsoft.com/office/drawing/2010/main" w="9525">
+              <a14:hiddenLine xmlns:a14="http://schemas.microsoft.com/office/drawing/2010/main" xmlns="" w="9525">
                 <a:solidFill>
                   <a:srgbClr val="000000"/>
                 </a:solidFill>
@@ -7285,7 +7285,7 @@
           <a:p>
             <a:fld id="{CE4B9A97-CA29-4724-919C-124662AABDDF}" type="datetime1">
               <a:rPr lang="en-US" smtClean="0"/>
-              <a:t>5/18/2020</a:t>
+              <a:t>5/28/2020</a:t>
             </a:fld>
             <a:endParaRPr lang="en-US" dirty="0"/>
           </a:p>
@@ -7436,7 +7436,7 @@
           <a:ln/>
           <a:extLst>
             <a:ext uri="{91240B29-F687-4f45-9708-019B960494DF}">
-              <a14:hiddenLine xmlns="" xmlns:a14="http://schemas.microsoft.com/office/drawing/2010/main" w="9525">
+              <a14:hiddenLine xmlns:a14="http://schemas.microsoft.com/office/drawing/2010/main" xmlns="" w="9525">
                 <a:solidFill>
                   <a:srgbClr val="000000"/>
                 </a:solidFill>
@@ -7502,7 +7502,7 @@
           <a:p>
             <a:fld id="{E6B50EAC-C96B-4F6B-8FA0-FE80A6666811}" type="datetime1">
               <a:rPr lang="en-US" smtClean="0"/>
-              <a:t>5/18/2020</a:t>
+              <a:t>5/28/2020</a:t>
             </a:fld>
             <a:endParaRPr lang="en-US" dirty="0"/>
           </a:p>
@@ -7593,7 +7593,7 @@
           <a:p>
             <a:fld id="{89240592-83E2-4180-9864-286ADFE4CC26}" type="datetime1">
               <a:rPr lang="en-US" smtClean="0"/>
-              <a:t>5/18/2020</a:t>
+              <a:t>5/28/2020</a:t>
             </a:fld>
             <a:endParaRPr lang="en-US" dirty="0"/>
           </a:p>
@@ -7857,7 +7857,7 @@
           <a:ln/>
           <a:extLst>
             <a:ext uri="{91240B29-F687-4f45-9708-019B960494DF}">
-              <a14:hiddenLine xmlns="" xmlns:a14="http://schemas.microsoft.com/office/drawing/2010/main" w="9525">
+              <a14:hiddenLine xmlns:a14="http://schemas.microsoft.com/office/drawing/2010/main" xmlns="" w="9525">
                 <a:solidFill>
                   <a:srgbClr val="000000"/>
                 </a:solidFill>
@@ -8056,7 +8056,7 @@
           <a:p>
             <a:fld id="{EA378F5D-41A1-48E4-A59B-48EFF7A9877A}" type="datetime1">
               <a:rPr lang="en-US" smtClean="0"/>
-              <a:t>5/18/2020</a:t>
+              <a:t>5/28/2020</a:t>
             </a:fld>
             <a:endParaRPr lang="en-US" dirty="0"/>
           </a:p>
@@ -8365,7 +8365,7 @@
           <a:p>
             <a:fld id="{BAE9E78F-B3B4-4172-9B30-0316CC0D240D}" type="datetime1">
               <a:rPr lang="en-US" smtClean="0"/>
-              <a:t>5/18/2020</a:t>
+              <a:t>5/28/2020</a:t>
             </a:fld>
             <a:endParaRPr lang="en-US" dirty="0"/>
           </a:p>
@@ -8631,7 +8631,7 @@
           <a:p>
             <a:fld id="{37219B26-C9F0-4674-8E8A-037440780049}" type="datetime1">
               <a:rPr lang="en-US" smtClean="0"/>
-              <a:t>5/18/2020</a:t>
+              <a:t>5/28/2020</a:t>
             </a:fld>
             <a:endParaRPr lang="en-US" dirty="0"/>
           </a:p>
@@ -9466,7 +9466,7 @@
           <a:effectLst/>
           <a:extLst>
             <a:ext uri="{91240B29-F687-4f45-9708-019B960494DF}">
-              <a14:hiddenLine xmlns:a16="http://schemas.microsoft.com/office/drawing/2014/main" xmlns:a14="http://schemas.microsoft.com/office/drawing/2010/main" xmlns="" w="9525">
+              <a14:hiddenLine xmlns="" xmlns:a14="http://schemas.microsoft.com/office/drawing/2010/main" xmlns:a16="http://schemas.microsoft.com/office/drawing/2014/main" w="9525">
                 <a:solidFill>
                   <a:srgbClr val="000000"/>
                 </a:solidFill>
@@ -9789,7 +9789,7 @@
           <a:effectLst/>
           <a:extLst>
             <a:ext uri="{91240B29-F687-4f45-9708-019B960494DF}">
-              <a14:hiddenLine xmlns:a16="http://schemas.microsoft.com/office/drawing/2014/main" xmlns:p14="http://schemas.microsoft.com/office/powerpoint/2010/main" xmlns:a14="http://schemas.microsoft.com/office/drawing/2010/main" xmlns="" w="9525">
+              <a14:hiddenLine xmlns="" xmlns:a14="http://schemas.microsoft.com/office/drawing/2010/main" xmlns:p14="http://schemas.microsoft.com/office/powerpoint/2010/main" xmlns:a16="http://schemas.microsoft.com/office/drawing/2014/main" w="9525">
                 <a:solidFill>
                   <a:srgbClr val="000000"/>
                 </a:solidFill>
@@ -10217,7 +10217,7 @@
           <a:effectLst/>
           <a:extLst>
             <a:ext uri="{91240B29-F687-4f45-9708-019B960494DF}">
-              <a14:hiddenLine xmlns:a16="http://schemas.microsoft.com/office/drawing/2014/main" xmlns:a14="http://schemas.microsoft.com/office/drawing/2010/main" xmlns="" w="9525">
+              <a14:hiddenLine xmlns="" xmlns:a14="http://schemas.microsoft.com/office/drawing/2010/main" xmlns:a16="http://schemas.microsoft.com/office/drawing/2014/main" w="9525">
                 <a:solidFill>
                   <a:srgbClr val="000000"/>
                 </a:solidFill>
@@ -10540,7 +10540,7 @@
           <a:effectLst/>
           <a:extLst>
             <a:ext uri="{91240B29-F687-4f45-9708-019B960494DF}">
-              <a14:hiddenLine xmlns:a16="http://schemas.microsoft.com/office/drawing/2014/main" xmlns:p14="http://schemas.microsoft.com/office/powerpoint/2010/main" xmlns:a14="http://schemas.microsoft.com/office/drawing/2010/main" xmlns="" w="9525">
+              <a14:hiddenLine xmlns="" xmlns:a14="http://schemas.microsoft.com/office/drawing/2010/main" xmlns:p14="http://schemas.microsoft.com/office/powerpoint/2010/main" xmlns:a16="http://schemas.microsoft.com/office/drawing/2014/main" w="9525">
                 <a:solidFill>
                   <a:srgbClr val="000000"/>
                 </a:solidFill>
@@ -10778,36 +10778,6 @@
           </a:p>
         </p:txBody>
       </p:sp>
-      <p:pic>
-        <p:nvPicPr>
-          <p:cNvPr id="4" name="Image 3">
-            <a:extLst>
-              <a:ext uri="{FF2B5EF4-FFF2-40B4-BE49-F238E27FC236}">
-                <a16:creationId xmlns:a16="http://schemas.microsoft.com/office/drawing/2014/main" id="{F18ACD9C-9676-4BD9-8ECF-99C7EBAAC22F}"/>
-              </a:ext>
-            </a:extLst>
-          </p:cNvPr>
-          <p:cNvPicPr>
-            <a:picLocks noChangeAspect="1"/>
-          </p:cNvPicPr>
-          <p:nvPr/>
-        </p:nvPicPr>
-        <p:blipFill>
-          <a:blip r:embed="rId2"/>
-          <a:stretch>
-            <a:fillRect/>
-          </a:stretch>
-        </p:blipFill>
-        <p:spPr>
-          <a:xfrm>
-            <a:off x="8048624" y="2375995"/>
-            <a:ext cx="3590925" cy="912072"/>
-          </a:xfrm>
-          <a:prstGeom prst="rect">
-            <a:avLst/>
-          </a:prstGeom>
-        </p:spPr>
-      </p:pic>
       <p:sp>
         <p:nvSpPr>
           <p:cNvPr id="5" name="Espace réservé du numéro de diapositive 4">
@@ -10838,6 +10808,53 @@
           </a:p>
         </p:txBody>
       </p:sp>
+      <p:pic>
+        <p:nvPicPr>
+          <p:cNvPr id="1026" name="Picture 2">
+            <a:extLst>
+              <a:ext uri="{FF2B5EF4-FFF2-40B4-BE49-F238E27FC236}">
+                <a16:creationId xmlns:a16="http://schemas.microsoft.com/office/drawing/2014/main" id="{55EAE1C4-5E6E-43BF-8B13-05CFB4B6C3AF}"/>
+              </a:ext>
+            </a:extLst>
+          </p:cNvPr>
+          <p:cNvPicPr>
+            <a:picLocks noChangeAspect="1" noChangeArrowheads="1"/>
+          </p:cNvPicPr>
+          <p:nvPr/>
+        </p:nvPicPr>
+        <p:blipFill>
+          <a:blip r:embed="rId2">
+            <a:extLst>
+              <a:ext uri="{28A0092B-C50C-407E-A947-70E740481C1C}">
+                <a14:useLocalDpi xmlns:a14="http://schemas.microsoft.com/office/drawing/2010/main" val="0"/>
+              </a:ext>
+            </a:extLst>
+          </a:blip>
+          <a:srcRect/>
+          <a:stretch>
+            <a:fillRect/>
+          </a:stretch>
+        </p:blipFill>
+        <p:spPr bwMode="auto">
+          <a:xfrm>
+            <a:off x="5967413" y="2297467"/>
+            <a:ext cx="6048375" cy="1743075"/>
+          </a:xfrm>
+          <a:prstGeom prst="rect">
+            <a:avLst/>
+          </a:prstGeom>
+          <a:noFill/>
+          <a:extLst>
+            <a:ext uri="{909E8E84-426E-40DD-AFC4-6F175D3DCCD1}">
+              <a14:hiddenFill xmlns:a14="http://schemas.microsoft.com/office/drawing/2010/main">
+                <a:solidFill>
+                  <a:srgbClr val="FFFFFF"/>
+                </a:solidFill>
+              </a14:hiddenFill>
+            </a:ext>
+          </a:extLst>
+        </p:spPr>
+      </p:pic>
     </p:spTree>
     <p:extLst>
       <p:ext uri="{BB962C8B-B14F-4D97-AF65-F5344CB8AC3E}">
@@ -11530,7 +11547,7 @@
           <a:effectLst/>
           <a:extLst>
             <a:ext uri="{91240B29-F687-4f45-9708-019B960494DF}">
-              <a14:hiddenLine xmlns:a16="http://schemas.microsoft.com/office/drawing/2014/main" xmlns:a14="http://schemas.microsoft.com/office/drawing/2010/main" xmlns="" w="9525">
+              <a14:hiddenLine xmlns="" xmlns:a14="http://schemas.microsoft.com/office/drawing/2010/main" xmlns:a16="http://schemas.microsoft.com/office/drawing/2014/main" w="9525">
                 <a:solidFill>
                   <a:srgbClr val="000000"/>
                 </a:solidFill>
@@ -11853,7 +11870,7 @@
           <a:effectLst/>
           <a:extLst>
             <a:ext uri="{91240B29-F687-4f45-9708-019B960494DF}">
-              <a14:hiddenLine xmlns:a16="http://schemas.microsoft.com/office/drawing/2014/main" xmlns:p14="http://schemas.microsoft.com/office/powerpoint/2010/main" xmlns:a14="http://schemas.microsoft.com/office/drawing/2010/main" xmlns="" w="9525">
+              <a14:hiddenLine xmlns="" xmlns:a14="http://schemas.microsoft.com/office/drawing/2010/main" xmlns:p14="http://schemas.microsoft.com/office/powerpoint/2010/main" xmlns:a16="http://schemas.microsoft.com/office/drawing/2014/main" w="9525">
                 <a:solidFill>
                   <a:srgbClr val="000000"/>
                 </a:solidFill>
@@ -12364,7 +12381,7 @@
           <a:effectLst/>
           <a:extLst>
             <a:ext uri="{91240B29-F687-4f45-9708-019B960494DF}">
-              <a14:hiddenLine xmlns:a16="http://schemas.microsoft.com/office/drawing/2014/main" xmlns:a14="http://schemas.microsoft.com/office/drawing/2010/main" xmlns="" w="9525">
+              <a14:hiddenLine xmlns="" xmlns:a14="http://schemas.microsoft.com/office/drawing/2010/main" xmlns:a16="http://schemas.microsoft.com/office/drawing/2014/main" w="9525">
                 <a:solidFill>
                   <a:srgbClr val="000000"/>
                 </a:solidFill>
@@ -12687,7 +12704,7 @@
           <a:effectLst/>
           <a:extLst>
             <a:ext uri="{91240B29-F687-4f45-9708-019B960494DF}">
-              <a14:hiddenLine xmlns:a16="http://schemas.microsoft.com/office/drawing/2014/main" xmlns:p14="http://schemas.microsoft.com/office/powerpoint/2010/main" xmlns:a14="http://schemas.microsoft.com/office/drawing/2010/main" xmlns="" w="9525">
+              <a14:hiddenLine xmlns="" xmlns:a14="http://schemas.microsoft.com/office/drawing/2010/main" xmlns:p14="http://schemas.microsoft.com/office/powerpoint/2010/main" xmlns:a16="http://schemas.microsoft.com/office/drawing/2014/main" w="9525">
                 <a:solidFill>
                   <a:srgbClr val="000000"/>
                 </a:solidFill>
@@ -13773,15 +13790,6 @@
 </file>
 
 <file path=customXml/item2.xml><?xml version="1.0" encoding="utf-8"?>
-<?mso-contentType ?>
-<FormTemplates xmlns="http://schemas.microsoft.com/sharepoint/v3/contenttype/forms">
-  <Display>DocumentLibraryForm</Display>
-  <Edit>DocumentLibraryForm</Edit>
-  <New>DocumentLibraryForm</New>
-</FormTemplates>
-</file>
-
-<file path=customXml/item3.xml><?xml version="1.0" encoding="utf-8"?>
 <ct:contentTypeSchema xmlns:ct="http://schemas.microsoft.com/office/2006/metadata/contentType" xmlns:ma="http://schemas.microsoft.com/office/2006/metadata/properties/metaAttributes" ct:_="" ma:_="" ma:contentTypeName="Document" ma:contentTypeID="0x010100CF4A303E319FD944808A3F288FE5DDF7" ma:contentTypeVersion="10" ma:contentTypeDescription="Crée un document." ma:contentTypeScope="" ma:versionID="14564fae3202eb4bcd3910b6907b945c">
   <xsd:schema xmlns:xsd="http://www.w3.org/2001/XMLSchema" xmlns:xs="http://www.w3.org/2001/XMLSchema" xmlns:p="http://schemas.microsoft.com/office/2006/metadata/properties" xmlns:ns3="6b854832-f444-4f51-aa95-8d71f60bf0ab" xmlns:ns4="5ad3b809-77c7-494f-98a9-9d0a32803dcd" targetNamespace="http://schemas.microsoft.com/office/2006/metadata/properties" ma:root="true" ma:fieldsID="70b6269da4170888777c4a6945f67cbe" ns3:_="" ns4:_="">
     <xsd:import namespace="6b854832-f444-4f51-aa95-8d71f60bf0ab"/>
@@ -13984,6 +13992,15 @@
 </ct:contentTypeSchema>
 </file>
 
+<file path=customXml/item3.xml><?xml version="1.0" encoding="utf-8"?>
+<?mso-contentType ?>
+<FormTemplates xmlns="http://schemas.microsoft.com/sharepoint/v3/contenttype/forms">
+  <Display>DocumentLibraryForm</Display>
+  <Edit>DocumentLibraryForm</Edit>
+  <New>DocumentLibraryForm</New>
+</FormTemplates>
+</file>
+
 <file path=customXml/itemProps1.xml><?xml version="1.0" encoding="utf-8"?>
 <ds:datastoreItem xmlns:ds="http://schemas.openxmlformats.org/officeDocument/2006/customXml" ds:itemID="{AAB76794-074A-4561-98CD-F65E0623B4D3}">
   <ds:schemaRefs>
@@ -14002,14 +14019,6 @@
 </file>
 
 <file path=customXml/itemProps2.xml><?xml version="1.0" encoding="utf-8"?>
-<ds:datastoreItem xmlns:ds="http://schemas.openxmlformats.org/officeDocument/2006/customXml" ds:itemID="{F5317CD0-3153-4122-B1C0-FA22AC85FC96}">
-  <ds:schemaRefs>
-    <ds:schemaRef ds:uri="http://schemas.microsoft.com/sharepoint/v3/contenttype/forms"/>
-  </ds:schemaRefs>
-</ds:datastoreItem>
-</file>
-
-<file path=customXml/itemProps3.xml><?xml version="1.0" encoding="utf-8"?>
 <ds:datastoreItem xmlns:ds="http://schemas.openxmlformats.org/officeDocument/2006/customXml" ds:itemID="{E9CD285C-45E4-46DF-A42D-F938C832EF6C}">
   <ds:schemaRefs>
     <ds:schemaRef ds:uri="http://schemas.microsoft.com/office/2006/metadata/contentType"/>
@@ -14026,4 +14035,12 @@
     <ds:schemaRef ds:uri="http://schemas.microsoft.com/internal/obd"/>
   </ds:schemaRefs>
 </ds:datastoreItem>
+</file>
+
+<file path=customXml/itemProps3.xml><?xml version="1.0" encoding="utf-8"?>
+<ds:datastoreItem xmlns:ds="http://schemas.openxmlformats.org/officeDocument/2006/customXml" ds:itemID="{F5317CD0-3153-4122-B1C0-FA22AC85FC96}">
+  <ds:schemaRefs>
+    <ds:schemaRef ds:uri="http://schemas.microsoft.com/sharepoint/v3/contenttype/forms"/>
+  </ds:schemaRefs>
+</ds:datastoreItem>
 </file>